--- a/UM-templayte.pptx
+++ b/UM-templayte.pptx
@@ -7,15 +7,17 @@
     <p:sldMasterId id="2147483655" r:id="rId3"/>
   </p:sldMasterIdLst>
   <p:notesMasterIdLst>
-    <p:notesMasterId r:id="rId7"/>
+    <p:notesMasterId r:id="rId9"/>
   </p:notesMasterIdLst>
   <p:handoutMasterIdLst>
-    <p:handoutMasterId r:id="rId8"/>
+    <p:handoutMasterId r:id="rId10"/>
   </p:handoutMasterIdLst>
   <p:sldIdLst>
-    <p:sldId id="259" r:id="rId4"/>
-    <p:sldId id="257" r:id="rId5"/>
-    <p:sldId id="260" r:id="rId6"/>
+    <p:sldId id="261" r:id="rId4"/>
+    <p:sldId id="262" r:id="rId5"/>
+    <p:sldId id="263" r:id="rId6"/>
+    <p:sldId id="257" r:id="rId7"/>
+    <p:sldId id="260" r:id="rId8"/>
   </p:sldIdLst>
   <p:sldSz cx="12192000" cy="6858000"/>
   <p:notesSz cx="6858000" cy="9144000"/>
@@ -114,6 +116,14 @@
       </a:defRPr>
     </a:lvl9pPr>
   </p:defaultTextStyle>
+  <p:extLst>
+    <p:ext uri="{EFAFB233-063F-42B5-8137-9DF3F51BA10A}">
+      <p15:sldGuideLst xmlns:p15="http://schemas.microsoft.com/office/powerpoint/2012/main"/>
+    </p:ext>
+    <p:ext uri="{2D200454-40CA-4A62-9FC3-DE9A4176ACB9}">
+      <p15:notesGuideLst xmlns:p15="http://schemas.microsoft.com/office/powerpoint/2012/main"/>
+    </p:ext>
+  </p:extLst>
 </p:presentation>
 </file>
 
@@ -1170,53 +1180,6 @@
       </p:grpSpPr>
       <p:sp>
         <p:nvSpPr>
-          <p:cNvPr id="7" name="标题 1">
-            <a:extLst>
-              <a:ext uri="{FF2B5EF4-FFF2-40B4-BE49-F238E27FC236}">
-                <a16:creationId xmlns:a16="http://schemas.microsoft.com/office/drawing/2014/main" id="{09AC112D-5477-66DE-63B6-B956937E7E27}"/>
-              </a:ext>
-            </a:extLst>
-          </p:cNvPr>
-          <p:cNvSpPr>
-            <a:spLocks noGrp="1"/>
-          </p:cNvSpPr>
-          <p:nvPr>
-            <p:ph type="title" hasCustomPrompt="1"/>
-          </p:nvPr>
-        </p:nvSpPr>
-        <p:spPr>
-          <a:xfrm>
-            <a:off x="1506081" y="774549"/>
-            <a:ext cx="10515600" cy="570156"/>
-          </a:xfrm>
-          <a:prstGeom prst="rect">
-            <a:avLst/>
-          </a:prstGeom>
-        </p:spPr>
-        <p:txBody>
-          <a:bodyPr anchor="ctr" anchorCtr="0"/>
-          <a:lstStyle>
-            <a:lvl1pPr>
-              <a:defRPr sz="3200">
-                <a:solidFill>
-                  <a:schemeClr val="bg1"/>
-                </a:solidFill>
-                <a:latin typeface="Arial" panose="020B0604020202020204" pitchFamily="34" charset="0"/>
-                <a:cs typeface="Arial" panose="020B0604020202020204" pitchFamily="34" charset="0"/>
-              </a:defRPr>
-            </a:lvl1pPr>
-          </a:lstStyle>
-          <a:p>
-            <a:r>
-              <a:rPr kumimoji="1" lang="en-US" altLang="zh-CN" dirty="0"/>
-              <a:t>Outline</a:t>
-            </a:r>
-            <a:endParaRPr kumimoji="1" lang="zh-CN" altLang="en-US" dirty="0"/>
-          </a:p>
-        </p:txBody>
-      </p:sp>
-      <p:sp>
-        <p:nvSpPr>
           <p:cNvPr id="17" name="内容占位符 16">
             <a:extLst>
               <a:ext uri="{FF2B5EF4-FFF2-40B4-BE49-F238E27FC236}">
@@ -1282,6 +1245,154 @@
             <a:r>
               <a:rPr kumimoji="1" lang="zh-CN" altLang="en-US" dirty="0"/>
               <a:t>单击此处编辑母版文本样式</a:t>
+            </a:r>
+          </a:p>
+        </p:txBody>
+      </p:sp>
+      <p:sp>
+        <p:nvSpPr>
+          <p:cNvPr id="3" name="文本占位符 2">
+            <a:extLst>
+              <a:ext uri="{FF2B5EF4-FFF2-40B4-BE49-F238E27FC236}">
+                <a16:creationId xmlns:a16="http://schemas.microsoft.com/office/drawing/2014/main" id="{4D4A729A-A27C-105F-B80D-957C412C724A}"/>
+              </a:ext>
+            </a:extLst>
+          </p:cNvPr>
+          <p:cNvSpPr>
+            <a:spLocks noGrp="1"/>
+          </p:cNvSpPr>
+          <p:nvPr>
+            <p:ph type="body" sz="quarter" idx="11" hasCustomPrompt="1"/>
+          </p:nvPr>
+        </p:nvSpPr>
+        <p:spPr>
+          <a:xfrm>
+            <a:off x="1" y="6580188"/>
+            <a:ext cx="3995530" cy="277812"/>
+          </a:xfrm>
+          <a:prstGeom prst="rect">
+            <a:avLst/>
+          </a:prstGeom>
+        </p:spPr>
+        <p:txBody>
+          <a:bodyPr anchor="ctr" anchorCtr="1"/>
+          <a:lstStyle>
+            <a:lvl1pPr marL="0" indent="0">
+              <a:buNone/>
+              <a:defRPr sz="1200">
+                <a:solidFill>
+                  <a:schemeClr val="bg1"/>
+                </a:solidFill>
+                <a:latin typeface="Arial" panose="020B0604020202020204" pitchFamily="34" charset="0"/>
+                <a:cs typeface="Arial" panose="020B0604020202020204" pitchFamily="34" charset="0"/>
+              </a:defRPr>
+            </a:lvl1pPr>
+          </a:lstStyle>
+          <a:p>
+            <a:pPr lvl="0"/>
+            <a:r>
+              <a:rPr kumimoji="1" lang="en-US" altLang="zh-CN" dirty="0"/>
+              <a:t>Another</a:t>
+            </a:r>
+            <a:r>
+              <a:rPr kumimoji="1" lang="zh-CN" altLang="en-US" dirty="0"/>
+              <a:t> </a:t>
+            </a:r>
+            <a:r>
+              <a:rPr kumimoji="1" lang="en-US" altLang="zh-CN" dirty="0"/>
+              <a:t>name</a:t>
+            </a:r>
+            <a:endParaRPr kumimoji="1" lang="zh-CN" altLang="en-US" dirty="0"/>
+          </a:p>
+        </p:txBody>
+      </p:sp>
+      <p:sp>
+        <p:nvSpPr>
+          <p:cNvPr id="4" name="页脚占位符 4">
+            <a:extLst>
+              <a:ext uri="{FF2B5EF4-FFF2-40B4-BE49-F238E27FC236}">
+                <a16:creationId xmlns:a16="http://schemas.microsoft.com/office/drawing/2014/main" id="{36E813B8-92B6-03CF-2C07-E400B3F4328E}"/>
+              </a:ext>
+            </a:extLst>
+          </p:cNvPr>
+          <p:cNvSpPr>
+            <a:spLocks noGrp="1"/>
+          </p:cNvSpPr>
+          <p:nvPr>
+            <p:ph type="ftr" sz="quarter" idx="3"/>
+          </p:nvPr>
+        </p:nvSpPr>
+        <p:spPr>
+          <a:xfrm>
+            <a:off x="11158151" y="6569765"/>
+            <a:ext cx="1010753" cy="288235"/>
+          </a:xfrm>
+          <a:prstGeom prst="rect">
+            <a:avLst/>
+          </a:prstGeom>
+        </p:spPr>
+        <p:txBody>
+          <a:bodyPr/>
+          <a:lstStyle>
+            <a:lvl1pPr algn="r">
+              <a:defRPr sz="1200">
+                <a:solidFill>
+                  <a:schemeClr val="bg1"/>
+                </a:solidFill>
+                <a:latin typeface="Arial" panose="020B0604020202020204" pitchFamily="34" charset="0"/>
+                <a:cs typeface="Arial" panose="020B0604020202020204" pitchFamily="34" charset="0"/>
+              </a:defRPr>
+            </a:lvl1pPr>
+          </a:lstStyle>
+          <a:p>
+            <a:endParaRPr kumimoji="1" lang="zh-CN" altLang="en-US" dirty="0"/>
+          </a:p>
+        </p:txBody>
+      </p:sp>
+      <p:sp>
+        <p:nvSpPr>
+          <p:cNvPr id="6" name="文本占位符 5">
+            <a:extLst>
+              <a:ext uri="{FF2B5EF4-FFF2-40B4-BE49-F238E27FC236}">
+                <a16:creationId xmlns:a16="http://schemas.microsoft.com/office/drawing/2014/main" id="{DEC17D29-64FC-64D0-44AE-B030F50C514B}"/>
+              </a:ext>
+            </a:extLst>
+          </p:cNvPr>
+          <p:cNvSpPr>
+            <a:spLocks noGrp="1"/>
+          </p:cNvSpPr>
+          <p:nvPr>
+            <p:ph type="body" sz="quarter" idx="12" hasCustomPrompt="1"/>
+          </p:nvPr>
+        </p:nvSpPr>
+        <p:spPr>
+          <a:xfrm>
+            <a:off x="3995738" y="6569075"/>
+            <a:ext cx="7162800" cy="288925"/>
+          </a:xfrm>
+          <a:prstGeom prst="rect">
+            <a:avLst/>
+          </a:prstGeom>
+        </p:spPr>
+        <p:txBody>
+          <a:bodyPr anchor="ctr" anchorCtr="1"/>
+          <a:lstStyle>
+            <a:lvl1pPr marL="0" indent="0">
+              <a:buNone/>
+              <a:defRPr sz="1200">
+                <a:solidFill>
+                  <a:schemeClr val="bg1"/>
+                </a:solidFill>
+                <a:latin typeface="Arial" panose="020B0604020202020204" pitchFamily="34" charset="0"/>
+                <a:cs typeface="Arial" panose="020B0604020202020204" pitchFamily="34" charset="0"/>
+              </a:defRPr>
+            </a:lvl1pPr>
+          </a:lstStyle>
+          <a:p>
+            <a:pPr lvl="0"/>
+            <a:r>
+              <a:rPr kumimoji="1" lang="en-US" altLang="zh-CN" dirty="0"/>
+              <a:t>Title</a:t>
             </a:r>
           </a:p>
         </p:txBody>
@@ -1489,10 +1600,10 @@
       </p:sp>
       <p:sp>
         <p:nvSpPr>
-          <p:cNvPr id="18" name="页脚占位符 4">
-            <a:extLst>
-              <a:ext uri="{FF2B5EF4-FFF2-40B4-BE49-F238E27FC236}">
-                <a16:creationId xmlns:a16="http://schemas.microsoft.com/office/drawing/2014/main" id="{8DF02BBF-12D4-5231-3B59-F90EC0239BD1}"/>
+          <p:cNvPr id="6" name="页脚占位符 4">
+            <a:extLst>
+              <a:ext uri="{FF2B5EF4-FFF2-40B4-BE49-F238E27FC236}">
+                <a16:creationId xmlns:a16="http://schemas.microsoft.com/office/drawing/2014/main" id="{5A2D9412-A68D-BFB3-4255-EEBDF3668D1B}"/>
               </a:ext>
             </a:extLst>
           </p:cNvPr>
@@ -1500,13 +1611,13 @@
             <a:spLocks noGrp="1"/>
           </p:cNvSpPr>
           <p:nvPr>
-            <p:ph type="ftr" sz="quarter" idx="11"/>
+            <p:ph type="ftr" sz="quarter" idx="3"/>
           </p:nvPr>
         </p:nvSpPr>
         <p:spPr>
           <a:xfrm>
-            <a:off x="11161643" y="6569765"/>
-            <a:ext cx="1030357" cy="288235"/>
+            <a:off x="11158151" y="6569765"/>
+            <a:ext cx="1010753" cy="288235"/>
           </a:xfrm>
           <a:prstGeom prst="rect">
             <a:avLst/>
@@ -1515,8 +1626,11 @@
         <p:txBody>
           <a:bodyPr/>
           <a:lstStyle>
-            <a:lvl1pPr>
-              <a:defRPr>
+            <a:lvl1pPr algn="r">
+              <a:defRPr sz="1200">
+                <a:solidFill>
+                  <a:schemeClr val="bg1"/>
+                </a:solidFill>
                 <a:latin typeface="Arial" panose="020B0604020202020204" pitchFamily="34" charset="0"/>
                 <a:cs typeface="Arial" panose="020B0604020202020204" pitchFamily="34" charset="0"/>
               </a:defRPr>
@@ -1524,6 +1638,111 @@
           </a:lstStyle>
           <a:p>
             <a:endParaRPr kumimoji="1" lang="zh-CN" altLang="en-US" dirty="0"/>
+          </a:p>
+        </p:txBody>
+      </p:sp>
+      <p:sp>
+        <p:nvSpPr>
+          <p:cNvPr id="7" name="文本占位符 2">
+            <a:extLst>
+              <a:ext uri="{FF2B5EF4-FFF2-40B4-BE49-F238E27FC236}">
+                <a16:creationId xmlns:a16="http://schemas.microsoft.com/office/drawing/2014/main" id="{2C2C8828-1A71-7D95-AC7A-25A7F191B772}"/>
+              </a:ext>
+            </a:extLst>
+          </p:cNvPr>
+          <p:cNvSpPr>
+            <a:spLocks noGrp="1"/>
+          </p:cNvSpPr>
+          <p:nvPr>
+            <p:ph type="body" sz="quarter" idx="11" hasCustomPrompt="1"/>
+          </p:nvPr>
+        </p:nvSpPr>
+        <p:spPr>
+          <a:xfrm>
+            <a:off x="1" y="6580188"/>
+            <a:ext cx="3995530" cy="277812"/>
+          </a:xfrm>
+          <a:prstGeom prst="rect">
+            <a:avLst/>
+          </a:prstGeom>
+        </p:spPr>
+        <p:txBody>
+          <a:bodyPr anchor="ctr" anchorCtr="1"/>
+          <a:lstStyle>
+            <a:lvl1pPr marL="0" indent="0">
+              <a:buNone/>
+              <a:defRPr sz="1200">
+                <a:solidFill>
+                  <a:schemeClr val="bg1"/>
+                </a:solidFill>
+                <a:latin typeface="Arial" panose="020B0604020202020204" pitchFamily="34" charset="0"/>
+                <a:cs typeface="Arial" panose="020B0604020202020204" pitchFamily="34" charset="0"/>
+              </a:defRPr>
+            </a:lvl1pPr>
+          </a:lstStyle>
+          <a:p>
+            <a:pPr lvl="0"/>
+            <a:r>
+              <a:rPr kumimoji="1" lang="en-US" altLang="zh-CN" dirty="0"/>
+              <a:t>Another</a:t>
+            </a:r>
+            <a:r>
+              <a:rPr kumimoji="1" lang="zh-CN" altLang="en-US" dirty="0"/>
+              <a:t> </a:t>
+            </a:r>
+            <a:r>
+              <a:rPr kumimoji="1" lang="en-US" altLang="zh-CN" dirty="0"/>
+              <a:t>name</a:t>
+            </a:r>
+            <a:endParaRPr kumimoji="1" lang="zh-CN" altLang="en-US" dirty="0"/>
+          </a:p>
+        </p:txBody>
+      </p:sp>
+      <p:sp>
+        <p:nvSpPr>
+          <p:cNvPr id="8" name="文本占位符 5">
+            <a:extLst>
+              <a:ext uri="{FF2B5EF4-FFF2-40B4-BE49-F238E27FC236}">
+                <a16:creationId xmlns:a16="http://schemas.microsoft.com/office/drawing/2014/main" id="{C692AA49-2D04-5066-8E49-DB1C409E86DF}"/>
+              </a:ext>
+            </a:extLst>
+          </p:cNvPr>
+          <p:cNvSpPr>
+            <a:spLocks noGrp="1"/>
+          </p:cNvSpPr>
+          <p:nvPr>
+            <p:ph type="body" sz="quarter" idx="12" hasCustomPrompt="1"/>
+          </p:nvPr>
+        </p:nvSpPr>
+        <p:spPr>
+          <a:xfrm>
+            <a:off x="3995738" y="6569075"/>
+            <a:ext cx="7162800" cy="288925"/>
+          </a:xfrm>
+          <a:prstGeom prst="rect">
+            <a:avLst/>
+          </a:prstGeom>
+        </p:spPr>
+        <p:txBody>
+          <a:bodyPr anchor="ctr" anchorCtr="1"/>
+          <a:lstStyle>
+            <a:lvl1pPr marL="0" indent="0">
+              <a:buNone/>
+              <a:defRPr sz="1200">
+                <a:solidFill>
+                  <a:schemeClr val="bg1"/>
+                </a:solidFill>
+                <a:latin typeface="Arial" panose="020B0604020202020204" pitchFamily="34" charset="0"/>
+                <a:cs typeface="Arial" panose="020B0604020202020204" pitchFamily="34" charset="0"/>
+              </a:defRPr>
+            </a:lvl1pPr>
+          </a:lstStyle>
+          <a:p>
+            <a:pPr lvl="0"/>
+            <a:r>
+              <a:rPr kumimoji="1" lang="en-US" altLang="zh-CN" dirty="0"/>
+              <a:t>Title</a:t>
+            </a:r>
           </a:p>
         </p:txBody>
       </p:sp>
@@ -1730,36 +1949,6 @@
       </p:sp>
       <p:sp>
         <p:nvSpPr>
-          <p:cNvPr id="20" name="页脚占位符 19">
-            <a:extLst>
-              <a:ext uri="{FF2B5EF4-FFF2-40B4-BE49-F238E27FC236}">
-                <a16:creationId xmlns:a16="http://schemas.microsoft.com/office/drawing/2014/main" id="{0FF2C101-7C98-7CA1-5832-6B108FA1FBD4}"/>
-              </a:ext>
-            </a:extLst>
-          </p:cNvPr>
-          <p:cNvSpPr>
-            <a:spLocks noGrp="1"/>
-          </p:cNvSpPr>
-          <p:nvPr>
-            <p:ph type="ftr" sz="quarter" idx="11"/>
-          </p:nvPr>
-        </p:nvSpPr>
-        <p:spPr>
-          <a:xfrm>
-            <a:off x="11181247" y="6559442"/>
-            <a:ext cx="1010753" cy="288235"/>
-          </a:xfrm>
-        </p:spPr>
-        <p:txBody>
-          <a:bodyPr/>
-          <a:lstStyle/>
-          <a:p>
-            <a:endParaRPr kumimoji="1" lang="zh-CN" altLang="en-US" dirty="0"/>
-          </a:p>
-        </p:txBody>
-      </p:sp>
-      <p:sp>
-        <p:nvSpPr>
           <p:cNvPr id="29" name="SmartArt 占位符 28">
             <a:extLst>
               <a:ext uri="{FF2B5EF4-FFF2-40B4-BE49-F238E27FC236}">
@@ -1958,6 +2147,154 @@
           </a:p>
         </p:txBody>
       </p:sp>
+      <p:sp>
+        <p:nvSpPr>
+          <p:cNvPr id="2" name="页脚占位符 4">
+            <a:extLst>
+              <a:ext uri="{FF2B5EF4-FFF2-40B4-BE49-F238E27FC236}">
+                <a16:creationId xmlns:a16="http://schemas.microsoft.com/office/drawing/2014/main" id="{77F7B041-A675-35AB-5AA3-9DB410F62BF1}"/>
+              </a:ext>
+            </a:extLst>
+          </p:cNvPr>
+          <p:cNvSpPr>
+            <a:spLocks noGrp="1"/>
+          </p:cNvSpPr>
+          <p:nvPr>
+            <p:ph type="ftr" sz="quarter" idx="3"/>
+          </p:nvPr>
+        </p:nvSpPr>
+        <p:spPr>
+          <a:xfrm>
+            <a:off x="11158151" y="6569765"/>
+            <a:ext cx="1010753" cy="288235"/>
+          </a:xfrm>
+          <a:prstGeom prst="rect">
+            <a:avLst/>
+          </a:prstGeom>
+        </p:spPr>
+        <p:txBody>
+          <a:bodyPr/>
+          <a:lstStyle>
+            <a:lvl1pPr algn="r">
+              <a:defRPr sz="1200">
+                <a:solidFill>
+                  <a:schemeClr val="bg1"/>
+                </a:solidFill>
+                <a:latin typeface="Arial" panose="020B0604020202020204" pitchFamily="34" charset="0"/>
+                <a:cs typeface="Arial" panose="020B0604020202020204" pitchFamily="34" charset="0"/>
+              </a:defRPr>
+            </a:lvl1pPr>
+          </a:lstStyle>
+          <a:p>
+            <a:endParaRPr kumimoji="1" lang="zh-CN" altLang="en-US" dirty="0"/>
+          </a:p>
+        </p:txBody>
+      </p:sp>
+      <p:sp>
+        <p:nvSpPr>
+          <p:cNvPr id="4" name="文本占位符 5">
+            <a:extLst>
+              <a:ext uri="{FF2B5EF4-FFF2-40B4-BE49-F238E27FC236}">
+                <a16:creationId xmlns:a16="http://schemas.microsoft.com/office/drawing/2014/main" id="{F8119191-1F99-5CD3-C78A-F645DBFBBB98}"/>
+              </a:ext>
+            </a:extLst>
+          </p:cNvPr>
+          <p:cNvSpPr>
+            <a:spLocks noGrp="1"/>
+          </p:cNvSpPr>
+          <p:nvPr>
+            <p:ph type="body" sz="quarter" idx="14" hasCustomPrompt="1"/>
+          </p:nvPr>
+        </p:nvSpPr>
+        <p:spPr>
+          <a:xfrm>
+            <a:off x="3995738" y="6569075"/>
+            <a:ext cx="7162800" cy="288925"/>
+          </a:xfrm>
+          <a:prstGeom prst="rect">
+            <a:avLst/>
+          </a:prstGeom>
+        </p:spPr>
+        <p:txBody>
+          <a:bodyPr anchor="ctr" anchorCtr="1"/>
+          <a:lstStyle>
+            <a:lvl1pPr marL="0" indent="0">
+              <a:buNone/>
+              <a:defRPr sz="1200">
+                <a:solidFill>
+                  <a:schemeClr val="bg1"/>
+                </a:solidFill>
+                <a:latin typeface="Arial" panose="020B0604020202020204" pitchFamily="34" charset="0"/>
+                <a:cs typeface="Arial" panose="020B0604020202020204" pitchFamily="34" charset="0"/>
+              </a:defRPr>
+            </a:lvl1pPr>
+          </a:lstStyle>
+          <a:p>
+            <a:pPr lvl="0"/>
+            <a:r>
+              <a:rPr kumimoji="1" lang="en-US" altLang="zh-CN" dirty="0"/>
+              <a:t>Title</a:t>
+            </a:r>
+          </a:p>
+        </p:txBody>
+      </p:sp>
+      <p:sp>
+        <p:nvSpPr>
+          <p:cNvPr id="5" name="文本占位符 2">
+            <a:extLst>
+              <a:ext uri="{FF2B5EF4-FFF2-40B4-BE49-F238E27FC236}">
+                <a16:creationId xmlns:a16="http://schemas.microsoft.com/office/drawing/2014/main" id="{19E8BD4B-1F97-A9B1-ECB8-118075756676}"/>
+              </a:ext>
+            </a:extLst>
+          </p:cNvPr>
+          <p:cNvSpPr>
+            <a:spLocks noGrp="1"/>
+          </p:cNvSpPr>
+          <p:nvPr>
+            <p:ph type="body" sz="quarter" idx="11" hasCustomPrompt="1"/>
+          </p:nvPr>
+        </p:nvSpPr>
+        <p:spPr>
+          <a:xfrm>
+            <a:off x="1" y="6580188"/>
+            <a:ext cx="3995530" cy="277812"/>
+          </a:xfrm>
+          <a:prstGeom prst="rect">
+            <a:avLst/>
+          </a:prstGeom>
+        </p:spPr>
+        <p:txBody>
+          <a:bodyPr anchor="ctr" anchorCtr="1"/>
+          <a:lstStyle>
+            <a:lvl1pPr marL="0" indent="0">
+              <a:buNone/>
+              <a:defRPr sz="1200">
+                <a:solidFill>
+                  <a:schemeClr val="bg1"/>
+                </a:solidFill>
+                <a:latin typeface="Arial" panose="020B0604020202020204" pitchFamily="34" charset="0"/>
+                <a:cs typeface="Arial" panose="020B0604020202020204" pitchFamily="34" charset="0"/>
+              </a:defRPr>
+            </a:lvl1pPr>
+          </a:lstStyle>
+          <a:p>
+            <a:pPr lvl="0"/>
+            <a:r>
+              <a:rPr kumimoji="1" lang="en-US" altLang="zh-CN" dirty="0"/>
+              <a:t>Another</a:t>
+            </a:r>
+            <a:r>
+              <a:rPr kumimoji="1" lang="zh-CN" altLang="en-US" dirty="0"/>
+              <a:t> </a:t>
+            </a:r>
+            <a:r>
+              <a:rPr kumimoji="1" lang="en-US" altLang="zh-CN" dirty="0"/>
+              <a:t>name</a:t>
+            </a:r>
+            <a:endParaRPr kumimoji="1" lang="zh-CN" altLang="en-US" dirty="0"/>
+          </a:p>
+        </p:txBody>
+      </p:sp>
     </p:spTree>
     <p:extLst>
       <p:ext uri="{BB962C8B-B14F-4D97-AF65-F5344CB8AC3E}">
@@ -1990,46 +2327,6 @@
       </p:grpSpPr>
       <p:sp>
         <p:nvSpPr>
-          <p:cNvPr id="5" name="页脚占位符 4">
-            <a:extLst>
-              <a:ext uri="{FF2B5EF4-FFF2-40B4-BE49-F238E27FC236}">
-                <a16:creationId xmlns:a16="http://schemas.microsoft.com/office/drawing/2014/main" id="{CEB76EFB-B29C-E981-A262-C25F08234B51}"/>
-              </a:ext>
-            </a:extLst>
-          </p:cNvPr>
-          <p:cNvSpPr>
-            <a:spLocks noGrp="1"/>
-          </p:cNvSpPr>
-          <p:nvPr>
-            <p:ph type="ftr" sz="quarter" idx="11"/>
-          </p:nvPr>
-        </p:nvSpPr>
-        <p:spPr>
-          <a:xfrm>
-            <a:off x="11161643" y="6569765"/>
-            <a:ext cx="1030357" cy="288235"/>
-          </a:xfrm>
-          <a:prstGeom prst="rect">
-            <a:avLst/>
-          </a:prstGeom>
-        </p:spPr>
-        <p:txBody>
-          <a:bodyPr/>
-          <a:lstStyle>
-            <a:lvl1pPr>
-              <a:defRPr>
-                <a:latin typeface="Arial" panose="020B0604020202020204" pitchFamily="34" charset="0"/>
-                <a:cs typeface="Arial" panose="020B0604020202020204" pitchFamily="34" charset="0"/>
-              </a:defRPr>
-            </a:lvl1pPr>
-          </a:lstStyle>
-          <a:p>
-            <a:endParaRPr kumimoji="1" lang="zh-CN" altLang="en-US" dirty="0"/>
-          </a:p>
-        </p:txBody>
-      </p:sp>
-      <p:sp>
-        <p:nvSpPr>
           <p:cNvPr id="18" name="标题 1">
             <a:extLst>
               <a:ext uri="{FF2B5EF4-FFF2-40B4-BE49-F238E27FC236}">
@@ -2070,6 +2367,154 @@
             <a:r>
               <a:rPr kumimoji="1" lang="en-US" altLang="zh-CN" dirty="0"/>
               <a:t>Title</a:t>
+            </a:r>
+            <a:endParaRPr kumimoji="1" lang="zh-CN" altLang="en-US" dirty="0"/>
+          </a:p>
+        </p:txBody>
+      </p:sp>
+      <p:sp>
+        <p:nvSpPr>
+          <p:cNvPr id="3" name="页脚占位符 4">
+            <a:extLst>
+              <a:ext uri="{FF2B5EF4-FFF2-40B4-BE49-F238E27FC236}">
+                <a16:creationId xmlns:a16="http://schemas.microsoft.com/office/drawing/2014/main" id="{7119AE0B-83C8-1E8D-6CD5-A50ABC122BD9}"/>
+              </a:ext>
+            </a:extLst>
+          </p:cNvPr>
+          <p:cNvSpPr>
+            <a:spLocks noGrp="1"/>
+          </p:cNvSpPr>
+          <p:nvPr>
+            <p:ph type="ftr" sz="quarter" idx="3"/>
+          </p:nvPr>
+        </p:nvSpPr>
+        <p:spPr>
+          <a:xfrm>
+            <a:off x="11158151" y="6569765"/>
+            <a:ext cx="1010753" cy="288235"/>
+          </a:xfrm>
+          <a:prstGeom prst="rect">
+            <a:avLst/>
+          </a:prstGeom>
+        </p:spPr>
+        <p:txBody>
+          <a:bodyPr/>
+          <a:lstStyle>
+            <a:lvl1pPr algn="r">
+              <a:defRPr sz="1200">
+                <a:solidFill>
+                  <a:schemeClr val="bg1"/>
+                </a:solidFill>
+                <a:latin typeface="Arial" panose="020B0604020202020204" pitchFamily="34" charset="0"/>
+                <a:cs typeface="Arial" panose="020B0604020202020204" pitchFamily="34" charset="0"/>
+              </a:defRPr>
+            </a:lvl1pPr>
+          </a:lstStyle>
+          <a:p>
+            <a:endParaRPr kumimoji="1" lang="zh-CN" altLang="en-US" dirty="0"/>
+          </a:p>
+        </p:txBody>
+      </p:sp>
+      <p:sp>
+        <p:nvSpPr>
+          <p:cNvPr id="4" name="文本占位符 5">
+            <a:extLst>
+              <a:ext uri="{FF2B5EF4-FFF2-40B4-BE49-F238E27FC236}">
+                <a16:creationId xmlns:a16="http://schemas.microsoft.com/office/drawing/2014/main" id="{CED3E81A-DD10-4731-7816-F8F641EF470F}"/>
+              </a:ext>
+            </a:extLst>
+          </p:cNvPr>
+          <p:cNvSpPr>
+            <a:spLocks noGrp="1"/>
+          </p:cNvSpPr>
+          <p:nvPr>
+            <p:ph type="body" sz="quarter" idx="14" hasCustomPrompt="1"/>
+          </p:nvPr>
+        </p:nvSpPr>
+        <p:spPr>
+          <a:xfrm>
+            <a:off x="3995738" y="6569075"/>
+            <a:ext cx="7162800" cy="288925"/>
+          </a:xfrm>
+          <a:prstGeom prst="rect">
+            <a:avLst/>
+          </a:prstGeom>
+        </p:spPr>
+        <p:txBody>
+          <a:bodyPr anchor="ctr" anchorCtr="1"/>
+          <a:lstStyle>
+            <a:lvl1pPr marL="0" indent="0">
+              <a:buNone/>
+              <a:defRPr sz="1200">
+                <a:solidFill>
+                  <a:schemeClr val="bg1"/>
+                </a:solidFill>
+                <a:latin typeface="Arial" panose="020B0604020202020204" pitchFamily="34" charset="0"/>
+                <a:cs typeface="Arial" panose="020B0604020202020204" pitchFamily="34" charset="0"/>
+              </a:defRPr>
+            </a:lvl1pPr>
+          </a:lstStyle>
+          <a:p>
+            <a:pPr lvl="0"/>
+            <a:r>
+              <a:rPr kumimoji="1" lang="en-US" altLang="zh-CN" dirty="0"/>
+              <a:t>Title</a:t>
+            </a:r>
+          </a:p>
+        </p:txBody>
+      </p:sp>
+      <p:sp>
+        <p:nvSpPr>
+          <p:cNvPr id="6" name="文本占位符 2">
+            <a:extLst>
+              <a:ext uri="{FF2B5EF4-FFF2-40B4-BE49-F238E27FC236}">
+                <a16:creationId xmlns:a16="http://schemas.microsoft.com/office/drawing/2014/main" id="{962B9B97-1B25-1A98-E922-FBBACA78FA1A}"/>
+              </a:ext>
+            </a:extLst>
+          </p:cNvPr>
+          <p:cNvSpPr>
+            <a:spLocks noGrp="1"/>
+          </p:cNvSpPr>
+          <p:nvPr>
+            <p:ph type="body" sz="quarter" idx="11" hasCustomPrompt="1"/>
+          </p:nvPr>
+        </p:nvSpPr>
+        <p:spPr>
+          <a:xfrm>
+            <a:off x="1" y="6580188"/>
+            <a:ext cx="3995530" cy="277812"/>
+          </a:xfrm>
+          <a:prstGeom prst="rect">
+            <a:avLst/>
+          </a:prstGeom>
+        </p:spPr>
+        <p:txBody>
+          <a:bodyPr anchor="ctr" anchorCtr="1"/>
+          <a:lstStyle>
+            <a:lvl1pPr marL="0" indent="0">
+              <a:buNone/>
+              <a:defRPr sz="1200">
+                <a:solidFill>
+                  <a:schemeClr val="bg1"/>
+                </a:solidFill>
+                <a:latin typeface="Arial" panose="020B0604020202020204" pitchFamily="34" charset="0"/>
+                <a:cs typeface="Arial" panose="020B0604020202020204" pitchFamily="34" charset="0"/>
+              </a:defRPr>
+            </a:lvl1pPr>
+          </a:lstStyle>
+          <a:p>
+            <a:pPr lvl="0"/>
+            <a:r>
+              <a:rPr kumimoji="1" lang="en-US" altLang="zh-CN" dirty="0"/>
+              <a:t>Another</a:t>
+            </a:r>
+            <a:r>
+              <a:rPr kumimoji="1" lang="zh-CN" altLang="en-US" dirty="0"/>
+              <a:t> </a:t>
+            </a:r>
+            <a:r>
+              <a:rPr kumimoji="1" lang="en-US" altLang="zh-CN" dirty="0"/>
+              <a:t>name</a:t>
             </a:r>
             <a:endParaRPr kumimoji="1" lang="zh-CN" altLang="en-US" dirty="0"/>
           </a:p>
@@ -2507,6 +2952,726 @@
 </file>
 
 <file path=ppt/slideMasters/slideMaster2.xml><?xml version="1.0" encoding="utf-8"?>
+<p:sldMaster xmlns:a="http://schemas.openxmlformats.org/drawingml/2006/main" xmlns:r="http://schemas.openxmlformats.org/officeDocument/2006/relationships" xmlns:p="http://schemas.openxmlformats.org/presentationml/2006/main" preserve="1">
+  <p:cSld>
+    <p:bg>
+      <p:bgRef idx="1001">
+        <a:schemeClr val="bg1"/>
+      </p:bgRef>
+    </p:bg>
+    <p:spTree>
+      <p:nvGrpSpPr>
+        <p:cNvPr id="1" name=""/>
+        <p:cNvGrpSpPr/>
+        <p:nvPr/>
+      </p:nvGrpSpPr>
+      <p:grpSpPr>
+        <a:xfrm>
+          <a:off x="0" y="0"/>
+          <a:ext cx="0" cy="0"/>
+          <a:chOff x="0" y="0"/>
+          <a:chExt cx="0" cy="0"/>
+        </a:xfrm>
+      </p:grpSpPr>
+      <p:grpSp>
+        <p:nvGrpSpPr>
+          <p:cNvPr id="9" name="组合 8">
+            <a:extLst>
+              <a:ext uri="{FF2B5EF4-FFF2-40B4-BE49-F238E27FC236}">
+                <a16:creationId xmlns:a16="http://schemas.microsoft.com/office/drawing/2014/main" id="{1E8E1EB6-F697-D5FC-35DF-732AC5C8D9C2}"/>
+              </a:ext>
+            </a:extLst>
+          </p:cNvPr>
+          <p:cNvGrpSpPr/>
+          <p:nvPr userDrawn="1"/>
+        </p:nvGrpSpPr>
+        <p:grpSpPr>
+          <a:xfrm>
+            <a:off x="0" y="6569765"/>
+            <a:ext cx="12192000" cy="288235"/>
+            <a:chOff x="23105" y="6569765"/>
+            <a:chExt cx="12192000" cy="288235"/>
+          </a:xfrm>
+        </p:grpSpPr>
+        <p:sp>
+          <p:nvSpPr>
+            <p:cNvPr id="10" name="矩形 9">
+              <a:extLst>
+                <a:ext uri="{FF2B5EF4-FFF2-40B4-BE49-F238E27FC236}">
+                  <a16:creationId xmlns:a16="http://schemas.microsoft.com/office/drawing/2014/main" id="{56B63E64-41B7-29C6-F67D-2E12F0E67A43}"/>
+                </a:ext>
+              </a:extLst>
+            </p:cNvPr>
+            <p:cNvSpPr/>
+            <p:nvPr userDrawn="1"/>
+          </p:nvSpPr>
+          <p:spPr>
+            <a:xfrm>
+              <a:off x="23105" y="6569765"/>
+              <a:ext cx="4005470" cy="288235"/>
+            </a:xfrm>
+            <a:prstGeom prst="rect">
+              <a:avLst/>
+            </a:prstGeom>
+            <a:solidFill>
+              <a:srgbClr val="002C55"/>
+            </a:solidFill>
+            <a:ln>
+              <a:noFill/>
+            </a:ln>
+          </p:spPr>
+          <p:style>
+            <a:lnRef idx="2">
+              <a:schemeClr val="accent1">
+                <a:shade val="50000"/>
+              </a:schemeClr>
+            </a:lnRef>
+            <a:fillRef idx="1">
+              <a:schemeClr val="accent1"/>
+            </a:fillRef>
+            <a:effectRef idx="0">
+              <a:schemeClr val="accent1"/>
+            </a:effectRef>
+            <a:fontRef idx="minor">
+              <a:schemeClr val="lt1"/>
+            </a:fontRef>
+          </p:style>
+          <p:txBody>
+            <a:bodyPr rtlCol="0" anchor="ctr"/>
+            <a:lstStyle/>
+            <a:p>
+              <a:pPr algn="ctr"/>
+              <a:endParaRPr kumimoji="1" lang="zh-CN" altLang="en-US" dirty="0"/>
+            </a:p>
+          </p:txBody>
+        </p:sp>
+        <p:sp>
+          <p:nvSpPr>
+            <p:cNvPr id="11" name="矩形 10">
+              <a:extLst>
+                <a:ext uri="{FF2B5EF4-FFF2-40B4-BE49-F238E27FC236}">
+                  <a16:creationId xmlns:a16="http://schemas.microsoft.com/office/drawing/2014/main" id="{627B7671-06A0-0B88-4F1E-2614F008AAAE}"/>
+                </a:ext>
+              </a:extLst>
+            </p:cNvPr>
+            <p:cNvSpPr/>
+            <p:nvPr userDrawn="1"/>
+          </p:nvSpPr>
+          <p:spPr>
+            <a:xfrm>
+              <a:off x="4028575" y="6569765"/>
+              <a:ext cx="8186530" cy="288235"/>
+            </a:xfrm>
+            <a:prstGeom prst="rect">
+              <a:avLst/>
+            </a:prstGeom>
+            <a:solidFill>
+              <a:srgbClr val="005F96"/>
+            </a:solidFill>
+            <a:ln>
+              <a:noFill/>
+            </a:ln>
+          </p:spPr>
+          <p:style>
+            <a:lnRef idx="2">
+              <a:schemeClr val="accent1">
+                <a:shade val="50000"/>
+              </a:schemeClr>
+            </a:lnRef>
+            <a:fillRef idx="1">
+              <a:schemeClr val="accent1"/>
+            </a:fillRef>
+            <a:effectRef idx="0">
+              <a:schemeClr val="accent1"/>
+            </a:effectRef>
+            <a:fontRef idx="minor">
+              <a:schemeClr val="lt1"/>
+            </a:fontRef>
+          </p:style>
+          <p:txBody>
+            <a:bodyPr rtlCol="0" anchor="ctr"/>
+            <a:lstStyle/>
+            <a:p>
+              <a:pPr algn="ctr"/>
+              <a:endParaRPr kumimoji="1" lang="zh-CN" altLang="en-US" dirty="0"/>
+            </a:p>
+          </p:txBody>
+        </p:sp>
+        <p:cxnSp>
+          <p:nvCxnSpPr>
+            <p:cNvPr id="12" name="直线连接符 11">
+              <a:extLst>
+                <a:ext uri="{FF2B5EF4-FFF2-40B4-BE49-F238E27FC236}">
+                  <a16:creationId xmlns:a16="http://schemas.microsoft.com/office/drawing/2014/main" id="{C19BD5FD-3430-9759-FA97-9BC8E5420374}"/>
+                </a:ext>
+              </a:extLst>
+            </p:cNvPr>
+            <p:cNvCxnSpPr/>
+            <p:nvPr userDrawn="1"/>
+          </p:nvCxnSpPr>
+          <p:spPr>
+            <a:xfrm>
+              <a:off x="11181256" y="6569765"/>
+              <a:ext cx="0" cy="288235"/>
+            </a:xfrm>
+            <a:prstGeom prst="line">
+              <a:avLst/>
+            </a:prstGeom>
+            <a:ln>
+              <a:solidFill>
+                <a:schemeClr val="bg1"/>
+              </a:solidFill>
+            </a:ln>
+          </p:spPr>
+          <p:style>
+            <a:lnRef idx="1">
+              <a:schemeClr val="accent1"/>
+            </a:lnRef>
+            <a:fillRef idx="0">
+              <a:schemeClr val="accent1"/>
+            </a:fillRef>
+            <a:effectRef idx="0">
+              <a:schemeClr val="accent1"/>
+            </a:effectRef>
+            <a:fontRef idx="minor">
+              <a:schemeClr val="tx1"/>
+            </a:fontRef>
+          </p:style>
+        </p:cxnSp>
+      </p:grpSp>
+      <p:sp>
+        <p:nvSpPr>
+          <p:cNvPr id="15" name="日期占位符 3">
+            <a:extLst>
+              <a:ext uri="{FF2B5EF4-FFF2-40B4-BE49-F238E27FC236}">
+                <a16:creationId xmlns:a16="http://schemas.microsoft.com/office/drawing/2014/main" id="{1EE645A5-DDA9-0637-4F8B-3EA688BDBB3D}"/>
+              </a:ext>
+            </a:extLst>
+          </p:cNvPr>
+          <p:cNvSpPr>
+            <a:spLocks noGrp="1"/>
+          </p:cNvSpPr>
+          <p:nvPr userDrawn="1"/>
+        </p:nvSpPr>
+        <p:spPr>
+          <a:xfrm>
+            <a:off x="0" y="6569765"/>
+            <a:ext cx="4005470" cy="288235"/>
+          </a:xfrm>
+          <a:prstGeom prst="rect">
+            <a:avLst/>
+          </a:prstGeom>
+        </p:spPr>
+        <p:txBody>
+          <a:bodyPr/>
+          <a:lstStyle>
+            <a:defPPr>
+              <a:defRPr lang="zh-CN"/>
+            </a:defPPr>
+            <a:lvl1pPr marL="0" algn="l" defTabSz="914400" rtl="0" eaLnBrk="1" latinLnBrk="0" hangingPunct="1">
+              <a:defRPr sz="1800" kern="1200">
+                <a:solidFill>
+                  <a:schemeClr val="tx1"/>
+                </a:solidFill>
+                <a:latin typeface="+mn-lt"/>
+                <a:ea typeface="+mn-ea"/>
+                <a:cs typeface="+mn-cs"/>
+              </a:defRPr>
+            </a:lvl1pPr>
+            <a:lvl2pPr marL="457200" algn="l" defTabSz="914400" rtl="0" eaLnBrk="1" latinLnBrk="0" hangingPunct="1">
+              <a:defRPr sz="1800" kern="1200">
+                <a:solidFill>
+                  <a:schemeClr val="tx1"/>
+                </a:solidFill>
+                <a:latin typeface="+mn-lt"/>
+                <a:ea typeface="+mn-ea"/>
+                <a:cs typeface="+mn-cs"/>
+              </a:defRPr>
+            </a:lvl2pPr>
+            <a:lvl3pPr marL="914400" algn="l" defTabSz="914400" rtl="0" eaLnBrk="1" latinLnBrk="0" hangingPunct="1">
+              <a:defRPr sz="1800" kern="1200">
+                <a:solidFill>
+                  <a:schemeClr val="tx1"/>
+                </a:solidFill>
+                <a:latin typeface="+mn-lt"/>
+                <a:ea typeface="+mn-ea"/>
+                <a:cs typeface="+mn-cs"/>
+              </a:defRPr>
+            </a:lvl3pPr>
+            <a:lvl4pPr marL="1371600" algn="l" defTabSz="914400" rtl="0" eaLnBrk="1" latinLnBrk="0" hangingPunct="1">
+              <a:defRPr sz="1800" kern="1200">
+                <a:solidFill>
+                  <a:schemeClr val="tx1"/>
+                </a:solidFill>
+                <a:latin typeface="+mn-lt"/>
+                <a:ea typeface="+mn-ea"/>
+                <a:cs typeface="+mn-cs"/>
+              </a:defRPr>
+            </a:lvl4pPr>
+            <a:lvl5pPr marL="1828800" algn="l" defTabSz="914400" rtl="0" eaLnBrk="1" latinLnBrk="0" hangingPunct="1">
+              <a:defRPr sz="1800" kern="1200">
+                <a:solidFill>
+                  <a:schemeClr val="tx1"/>
+                </a:solidFill>
+                <a:latin typeface="+mn-lt"/>
+                <a:ea typeface="+mn-ea"/>
+                <a:cs typeface="+mn-cs"/>
+              </a:defRPr>
+            </a:lvl5pPr>
+            <a:lvl6pPr marL="2286000" algn="l" defTabSz="914400" rtl="0" eaLnBrk="1" latinLnBrk="0" hangingPunct="1">
+              <a:defRPr sz="1800" kern="1200">
+                <a:solidFill>
+                  <a:schemeClr val="tx1"/>
+                </a:solidFill>
+                <a:latin typeface="+mn-lt"/>
+                <a:ea typeface="+mn-ea"/>
+                <a:cs typeface="+mn-cs"/>
+              </a:defRPr>
+            </a:lvl6pPr>
+            <a:lvl7pPr marL="2743200" algn="l" defTabSz="914400" rtl="0" eaLnBrk="1" latinLnBrk="0" hangingPunct="1">
+              <a:defRPr sz="1800" kern="1200">
+                <a:solidFill>
+                  <a:schemeClr val="tx1"/>
+                </a:solidFill>
+                <a:latin typeface="+mn-lt"/>
+                <a:ea typeface="+mn-ea"/>
+                <a:cs typeface="+mn-cs"/>
+              </a:defRPr>
+            </a:lvl7pPr>
+            <a:lvl8pPr marL="3200400" algn="l" defTabSz="914400" rtl="0" eaLnBrk="1" latinLnBrk="0" hangingPunct="1">
+              <a:defRPr sz="1800" kern="1200">
+                <a:solidFill>
+                  <a:schemeClr val="tx1"/>
+                </a:solidFill>
+                <a:latin typeface="+mn-lt"/>
+                <a:ea typeface="+mn-ea"/>
+                <a:cs typeface="+mn-cs"/>
+              </a:defRPr>
+            </a:lvl8pPr>
+            <a:lvl9pPr marL="3657600" algn="l" defTabSz="914400" rtl="0" eaLnBrk="1" latinLnBrk="0" hangingPunct="1">
+              <a:defRPr sz="1800" kern="1200">
+                <a:solidFill>
+                  <a:schemeClr val="tx1"/>
+                </a:solidFill>
+                <a:latin typeface="+mn-lt"/>
+                <a:ea typeface="+mn-ea"/>
+                <a:cs typeface="+mn-cs"/>
+              </a:defRPr>
+            </a:lvl9pPr>
+          </a:lstStyle>
+          <a:p>
+            <a:endParaRPr kumimoji="1" lang="zh-CN" altLang="en-US" dirty="0"/>
+          </a:p>
+        </p:txBody>
+      </p:sp>
+      <p:pic>
+        <p:nvPicPr>
+          <p:cNvPr id="18" name="图片 17">
+            <a:extLst>
+              <a:ext uri="{FF2B5EF4-FFF2-40B4-BE49-F238E27FC236}">
+                <a16:creationId xmlns:a16="http://schemas.microsoft.com/office/drawing/2014/main" id="{DD27EF48-BC63-446B-8614-CC2F8DF85423}"/>
+              </a:ext>
+            </a:extLst>
+          </p:cNvPr>
+          <p:cNvPicPr>
+            <a:picLocks noChangeAspect="1"/>
+          </p:cNvPicPr>
+          <p:nvPr userDrawn="1"/>
+        </p:nvPicPr>
+        <p:blipFill>
+          <a:blip r:embed="rId3"/>
+          <a:stretch>
+            <a:fillRect/>
+          </a:stretch>
+        </p:blipFill>
+        <p:spPr>
+          <a:xfrm>
+            <a:off x="0" y="0"/>
+            <a:ext cx="12192001" cy="1592173"/>
+          </a:xfrm>
+          <a:prstGeom prst="rect">
+            <a:avLst/>
+          </a:prstGeom>
+        </p:spPr>
+      </p:pic>
+      <p:pic>
+        <p:nvPicPr>
+          <p:cNvPr id="22" name="图片 21">
+            <a:extLst>
+              <a:ext uri="{FF2B5EF4-FFF2-40B4-BE49-F238E27FC236}">
+                <a16:creationId xmlns:a16="http://schemas.microsoft.com/office/drawing/2014/main" id="{B0BEBB46-08ED-2A82-98D7-FF6567C78114}"/>
+              </a:ext>
+            </a:extLst>
+          </p:cNvPr>
+          <p:cNvPicPr>
+            <a:picLocks noChangeAspect="1"/>
+          </p:cNvPicPr>
+          <p:nvPr userDrawn="1"/>
+        </p:nvPicPr>
+        <p:blipFill rotWithShape="1">
+          <a:blip r:embed="rId4"/>
+          <a:srcRect l="75264" t="32059" b="11632"/>
+          <a:stretch/>
+        </p:blipFill>
+        <p:spPr>
+          <a:xfrm>
+            <a:off x="10054396" y="2576606"/>
+            <a:ext cx="2137604" cy="3649569"/>
+          </a:xfrm>
+          <a:prstGeom prst="rect">
+            <a:avLst/>
+          </a:prstGeom>
+        </p:spPr>
+      </p:pic>
+      <p:sp>
+        <p:nvSpPr>
+          <p:cNvPr id="2" name="标题 1">
+            <a:extLst>
+              <a:ext uri="{FF2B5EF4-FFF2-40B4-BE49-F238E27FC236}">
+                <a16:creationId xmlns:a16="http://schemas.microsoft.com/office/drawing/2014/main" id="{0D19FE1E-3CBE-EAB9-25C9-478519E34206}"/>
+              </a:ext>
+            </a:extLst>
+          </p:cNvPr>
+          <p:cNvSpPr txBox="1">
+            <a:spLocks/>
+          </p:cNvSpPr>
+          <p:nvPr userDrawn="1"/>
+        </p:nvSpPr>
+        <p:spPr>
+          <a:xfrm>
+            <a:off x="1506081" y="774549"/>
+            <a:ext cx="10515600" cy="570156"/>
+          </a:xfrm>
+          <a:prstGeom prst="rect">
+            <a:avLst/>
+          </a:prstGeom>
+        </p:spPr>
+        <p:txBody>
+          <a:bodyPr anchor="ctr" anchorCtr="0"/>
+          <a:lstStyle>
+            <a:lvl1pPr algn="l" defTabSz="914400" rtl="0" eaLnBrk="1" latinLnBrk="0" hangingPunct="1">
+              <a:lnSpc>
+                <a:spcPct val="90000"/>
+              </a:lnSpc>
+              <a:spcBef>
+                <a:spcPct val="0"/>
+              </a:spcBef>
+              <a:buNone/>
+              <a:defRPr sz="3200" kern="1200">
+                <a:solidFill>
+                  <a:schemeClr val="bg1"/>
+                </a:solidFill>
+                <a:latin typeface="Arial" panose="020B0604020202020204" pitchFamily="34" charset="0"/>
+                <a:ea typeface="+mj-ea"/>
+                <a:cs typeface="Arial" panose="020B0604020202020204" pitchFamily="34" charset="0"/>
+              </a:defRPr>
+            </a:lvl1pPr>
+          </a:lstStyle>
+          <a:p>
+            <a:r>
+              <a:rPr kumimoji="1" lang="en-US" altLang="zh-CN"/>
+              <a:t>Outline</a:t>
+            </a:r>
+            <a:endParaRPr kumimoji="1" lang="zh-CN" altLang="en-US" dirty="0"/>
+          </a:p>
+        </p:txBody>
+      </p:sp>
+    </p:spTree>
+    <p:extLst>
+      <p:ext uri="{BB962C8B-B14F-4D97-AF65-F5344CB8AC3E}">
+        <p14:creationId xmlns:p14="http://schemas.microsoft.com/office/powerpoint/2010/main" val="2657690074"/>
+      </p:ext>
+    </p:extLst>
+  </p:cSld>
+  <p:clrMap bg1="lt1" tx1="dk1" bg2="lt2" tx2="dk2" accent1="accent1" accent2="accent2" accent3="accent3" accent4="accent4" accent5="accent5" accent6="accent6" hlink="hlink" folHlink="folHlink"/>
+  <p:sldLayoutIdLst>
+    <p:sldLayoutId id="2147483672" r:id="rId1"/>
+  </p:sldLayoutIdLst>
+  <p:hf sldNum="0" hdr="0" dt="0"/>
+  <p:txStyles>
+    <p:titleStyle>
+      <a:lvl1pPr algn="l" defTabSz="914400" rtl="0" eaLnBrk="1" latinLnBrk="0" hangingPunct="1">
+        <a:lnSpc>
+          <a:spcPct val="90000"/>
+        </a:lnSpc>
+        <a:spcBef>
+          <a:spcPct val="0"/>
+        </a:spcBef>
+        <a:buNone/>
+        <a:defRPr sz="4400" kern="1200">
+          <a:solidFill>
+            <a:schemeClr val="tx1"/>
+          </a:solidFill>
+          <a:latin typeface="+mj-lt"/>
+          <a:ea typeface="+mj-ea"/>
+          <a:cs typeface="+mj-cs"/>
+        </a:defRPr>
+      </a:lvl1pPr>
+    </p:titleStyle>
+    <p:bodyStyle>
+      <a:lvl1pPr marL="228600" indent="-228600" algn="l" defTabSz="914400" rtl="0" eaLnBrk="1" latinLnBrk="0" hangingPunct="1">
+        <a:lnSpc>
+          <a:spcPct val="90000"/>
+        </a:lnSpc>
+        <a:spcBef>
+          <a:spcPts val="1000"/>
+        </a:spcBef>
+        <a:buFont typeface="Arial" panose="020B0604020202020204" pitchFamily="34" charset="0"/>
+        <a:buChar char="•"/>
+        <a:defRPr sz="2800" kern="1200">
+          <a:solidFill>
+            <a:schemeClr val="tx1"/>
+          </a:solidFill>
+          <a:latin typeface="+mn-lt"/>
+          <a:ea typeface="+mn-ea"/>
+          <a:cs typeface="+mn-cs"/>
+        </a:defRPr>
+      </a:lvl1pPr>
+      <a:lvl2pPr marL="685800" indent="-228600" algn="l" defTabSz="914400" rtl="0" eaLnBrk="1" latinLnBrk="0" hangingPunct="1">
+        <a:lnSpc>
+          <a:spcPct val="90000"/>
+        </a:lnSpc>
+        <a:spcBef>
+          <a:spcPts val="500"/>
+        </a:spcBef>
+        <a:buFont typeface="Arial" panose="020B0604020202020204" pitchFamily="34" charset="0"/>
+        <a:buChar char="•"/>
+        <a:defRPr sz="2400" kern="1200">
+          <a:solidFill>
+            <a:schemeClr val="tx1"/>
+          </a:solidFill>
+          <a:latin typeface="+mn-lt"/>
+          <a:ea typeface="+mn-ea"/>
+          <a:cs typeface="+mn-cs"/>
+        </a:defRPr>
+      </a:lvl2pPr>
+      <a:lvl3pPr marL="1143000" indent="-228600" algn="l" defTabSz="914400" rtl="0" eaLnBrk="1" latinLnBrk="0" hangingPunct="1">
+        <a:lnSpc>
+          <a:spcPct val="90000"/>
+        </a:lnSpc>
+        <a:spcBef>
+          <a:spcPts val="500"/>
+        </a:spcBef>
+        <a:buFont typeface="Arial" panose="020B0604020202020204" pitchFamily="34" charset="0"/>
+        <a:buChar char="•"/>
+        <a:defRPr sz="2000" kern="1200">
+          <a:solidFill>
+            <a:schemeClr val="tx1"/>
+          </a:solidFill>
+          <a:latin typeface="+mn-lt"/>
+          <a:ea typeface="+mn-ea"/>
+          <a:cs typeface="+mn-cs"/>
+        </a:defRPr>
+      </a:lvl3pPr>
+      <a:lvl4pPr marL="1600200" indent="-228600" algn="l" defTabSz="914400" rtl="0" eaLnBrk="1" latinLnBrk="0" hangingPunct="1">
+        <a:lnSpc>
+          <a:spcPct val="90000"/>
+        </a:lnSpc>
+        <a:spcBef>
+          <a:spcPts val="500"/>
+        </a:spcBef>
+        <a:buFont typeface="Arial" panose="020B0604020202020204" pitchFamily="34" charset="0"/>
+        <a:buChar char="•"/>
+        <a:defRPr sz="1800" kern="1200">
+          <a:solidFill>
+            <a:schemeClr val="tx1"/>
+          </a:solidFill>
+          <a:latin typeface="+mn-lt"/>
+          <a:ea typeface="+mn-ea"/>
+          <a:cs typeface="+mn-cs"/>
+        </a:defRPr>
+      </a:lvl4pPr>
+      <a:lvl5pPr marL="2057400" indent="-228600" algn="l" defTabSz="914400" rtl="0" eaLnBrk="1" latinLnBrk="0" hangingPunct="1">
+        <a:lnSpc>
+          <a:spcPct val="90000"/>
+        </a:lnSpc>
+        <a:spcBef>
+          <a:spcPts val="500"/>
+        </a:spcBef>
+        <a:buFont typeface="Arial" panose="020B0604020202020204" pitchFamily="34" charset="0"/>
+        <a:buChar char="•"/>
+        <a:defRPr sz="1800" kern="1200">
+          <a:solidFill>
+            <a:schemeClr val="tx1"/>
+          </a:solidFill>
+          <a:latin typeface="+mn-lt"/>
+          <a:ea typeface="+mn-ea"/>
+          <a:cs typeface="+mn-cs"/>
+        </a:defRPr>
+      </a:lvl5pPr>
+      <a:lvl6pPr marL="2514600" indent="-228600" algn="l" defTabSz="914400" rtl="0" eaLnBrk="1" latinLnBrk="0" hangingPunct="1">
+        <a:lnSpc>
+          <a:spcPct val="90000"/>
+        </a:lnSpc>
+        <a:spcBef>
+          <a:spcPts val="500"/>
+        </a:spcBef>
+        <a:buFont typeface="Arial" panose="020B0604020202020204" pitchFamily="34" charset="0"/>
+        <a:buChar char="•"/>
+        <a:defRPr sz="1800" kern="1200">
+          <a:solidFill>
+            <a:schemeClr val="tx1"/>
+          </a:solidFill>
+          <a:latin typeface="+mn-lt"/>
+          <a:ea typeface="+mn-ea"/>
+          <a:cs typeface="+mn-cs"/>
+        </a:defRPr>
+      </a:lvl6pPr>
+      <a:lvl7pPr marL="2971800" indent="-228600" algn="l" defTabSz="914400" rtl="0" eaLnBrk="1" latinLnBrk="0" hangingPunct="1">
+        <a:lnSpc>
+          <a:spcPct val="90000"/>
+        </a:lnSpc>
+        <a:spcBef>
+          <a:spcPts val="500"/>
+        </a:spcBef>
+        <a:buFont typeface="Arial" panose="020B0604020202020204" pitchFamily="34" charset="0"/>
+        <a:buChar char="•"/>
+        <a:defRPr sz="1800" kern="1200">
+          <a:solidFill>
+            <a:schemeClr val="tx1"/>
+          </a:solidFill>
+          <a:latin typeface="+mn-lt"/>
+          <a:ea typeface="+mn-ea"/>
+          <a:cs typeface="+mn-cs"/>
+        </a:defRPr>
+      </a:lvl7pPr>
+      <a:lvl8pPr marL="3429000" indent="-228600" algn="l" defTabSz="914400" rtl="0" eaLnBrk="1" latinLnBrk="0" hangingPunct="1">
+        <a:lnSpc>
+          <a:spcPct val="90000"/>
+        </a:lnSpc>
+        <a:spcBef>
+          <a:spcPts val="500"/>
+        </a:spcBef>
+        <a:buFont typeface="Arial" panose="020B0604020202020204" pitchFamily="34" charset="0"/>
+        <a:buChar char="•"/>
+        <a:defRPr sz="1800" kern="1200">
+          <a:solidFill>
+            <a:schemeClr val="tx1"/>
+          </a:solidFill>
+          <a:latin typeface="+mn-lt"/>
+          <a:ea typeface="+mn-ea"/>
+          <a:cs typeface="+mn-cs"/>
+        </a:defRPr>
+      </a:lvl8pPr>
+      <a:lvl9pPr marL="3886200" indent="-228600" algn="l" defTabSz="914400" rtl="0" eaLnBrk="1" latinLnBrk="0" hangingPunct="1">
+        <a:lnSpc>
+          <a:spcPct val="90000"/>
+        </a:lnSpc>
+        <a:spcBef>
+          <a:spcPts val="500"/>
+        </a:spcBef>
+        <a:buFont typeface="Arial" panose="020B0604020202020204" pitchFamily="34" charset="0"/>
+        <a:buChar char="•"/>
+        <a:defRPr sz="1800" kern="1200">
+          <a:solidFill>
+            <a:schemeClr val="tx1"/>
+          </a:solidFill>
+          <a:latin typeface="+mn-lt"/>
+          <a:ea typeface="+mn-ea"/>
+          <a:cs typeface="+mn-cs"/>
+        </a:defRPr>
+      </a:lvl9pPr>
+    </p:bodyStyle>
+    <p:otherStyle>
+      <a:defPPr>
+        <a:defRPr lang="zh-CN"/>
+      </a:defPPr>
+      <a:lvl1pPr marL="0" algn="l" defTabSz="914400" rtl="0" eaLnBrk="1" latinLnBrk="0" hangingPunct="1">
+        <a:defRPr sz="1800" kern="1200">
+          <a:solidFill>
+            <a:schemeClr val="tx1"/>
+          </a:solidFill>
+          <a:latin typeface="+mn-lt"/>
+          <a:ea typeface="+mn-ea"/>
+          <a:cs typeface="+mn-cs"/>
+        </a:defRPr>
+      </a:lvl1pPr>
+      <a:lvl2pPr marL="457200" algn="l" defTabSz="914400" rtl="0" eaLnBrk="1" latinLnBrk="0" hangingPunct="1">
+        <a:defRPr sz="1800" kern="1200">
+          <a:solidFill>
+            <a:schemeClr val="tx1"/>
+          </a:solidFill>
+          <a:latin typeface="+mn-lt"/>
+          <a:ea typeface="+mn-ea"/>
+          <a:cs typeface="+mn-cs"/>
+        </a:defRPr>
+      </a:lvl2pPr>
+      <a:lvl3pPr marL="914400" algn="l" defTabSz="914400" rtl="0" eaLnBrk="1" latinLnBrk="0" hangingPunct="1">
+        <a:defRPr sz="1800" kern="1200">
+          <a:solidFill>
+            <a:schemeClr val="tx1"/>
+          </a:solidFill>
+          <a:latin typeface="+mn-lt"/>
+          <a:ea typeface="+mn-ea"/>
+          <a:cs typeface="+mn-cs"/>
+        </a:defRPr>
+      </a:lvl3pPr>
+      <a:lvl4pPr marL="1371600" algn="l" defTabSz="914400" rtl="0" eaLnBrk="1" latinLnBrk="0" hangingPunct="1">
+        <a:defRPr sz="1800" kern="1200">
+          <a:solidFill>
+            <a:schemeClr val="tx1"/>
+          </a:solidFill>
+          <a:latin typeface="+mn-lt"/>
+          <a:ea typeface="+mn-ea"/>
+          <a:cs typeface="+mn-cs"/>
+        </a:defRPr>
+      </a:lvl4pPr>
+      <a:lvl5pPr marL="1828800" algn="l" defTabSz="914400" rtl="0" eaLnBrk="1" latinLnBrk="0" hangingPunct="1">
+        <a:defRPr sz="1800" kern="1200">
+          <a:solidFill>
+            <a:schemeClr val="tx1"/>
+          </a:solidFill>
+          <a:latin typeface="+mn-lt"/>
+          <a:ea typeface="+mn-ea"/>
+          <a:cs typeface="+mn-cs"/>
+        </a:defRPr>
+      </a:lvl5pPr>
+      <a:lvl6pPr marL="2286000" algn="l" defTabSz="914400" rtl="0" eaLnBrk="1" latinLnBrk="0" hangingPunct="1">
+        <a:defRPr sz="1800" kern="1200">
+          <a:solidFill>
+            <a:schemeClr val="tx1"/>
+          </a:solidFill>
+          <a:latin typeface="+mn-lt"/>
+          <a:ea typeface="+mn-ea"/>
+          <a:cs typeface="+mn-cs"/>
+        </a:defRPr>
+      </a:lvl6pPr>
+      <a:lvl7pPr marL="2743200" algn="l" defTabSz="914400" rtl="0" eaLnBrk="1" latinLnBrk="0" hangingPunct="1">
+        <a:defRPr sz="1800" kern="1200">
+          <a:solidFill>
+            <a:schemeClr val="tx1"/>
+          </a:solidFill>
+          <a:latin typeface="+mn-lt"/>
+          <a:ea typeface="+mn-ea"/>
+          <a:cs typeface="+mn-cs"/>
+        </a:defRPr>
+      </a:lvl7pPr>
+      <a:lvl8pPr marL="3200400" algn="l" defTabSz="914400" rtl="0" eaLnBrk="1" latinLnBrk="0" hangingPunct="1">
+        <a:defRPr sz="1800" kern="1200">
+          <a:solidFill>
+            <a:schemeClr val="tx1"/>
+          </a:solidFill>
+          <a:latin typeface="+mn-lt"/>
+          <a:ea typeface="+mn-ea"/>
+          <a:cs typeface="+mn-cs"/>
+        </a:defRPr>
+      </a:lvl8pPr>
+      <a:lvl9pPr marL="3657600" algn="l" defTabSz="914400" rtl="0" eaLnBrk="1" latinLnBrk="0" hangingPunct="1">
+        <a:defRPr sz="1800" kern="1200">
+          <a:solidFill>
+            <a:schemeClr val="tx1"/>
+          </a:solidFill>
+          <a:latin typeface="+mn-lt"/>
+          <a:ea typeface="+mn-ea"/>
+          <a:cs typeface="+mn-cs"/>
+        </a:defRPr>
+      </a:lvl9pPr>
+    </p:otherStyle>
+  </p:txStyles>
+</p:sldMaster>
+</file>
+
+<file path=ppt/slideMasters/slideMaster3.xml><?xml version="1.0" encoding="utf-8"?>
 <p:sldMaster xmlns:a="http://schemas.openxmlformats.org/drawingml/2006/main" xmlns:r="http://schemas.openxmlformats.org/officeDocument/2006/relationships" xmlns:p="http://schemas.openxmlformats.org/presentationml/2006/main" preserve="1">
   <p:cSld>
     <p:bg>
@@ -2877,1020 +4042,6 @@
           <p:nvPr userDrawn="1"/>
         </p:nvPicPr>
         <p:blipFill>
-          <a:blip r:embed="rId3"/>
-          <a:stretch>
-            <a:fillRect/>
-          </a:stretch>
-        </p:blipFill>
-        <p:spPr>
-          <a:xfrm>
-            <a:off x="0" y="0"/>
-            <a:ext cx="12192001" cy="1592173"/>
-          </a:xfrm>
-          <a:prstGeom prst="rect">
-            <a:avLst/>
-          </a:prstGeom>
-        </p:spPr>
-      </p:pic>
-      <p:pic>
-        <p:nvPicPr>
-          <p:cNvPr id="22" name="图片 21">
-            <a:extLst>
-              <a:ext uri="{FF2B5EF4-FFF2-40B4-BE49-F238E27FC236}">
-                <a16:creationId xmlns:a16="http://schemas.microsoft.com/office/drawing/2014/main" id="{B0BEBB46-08ED-2A82-98D7-FF6567C78114}"/>
-              </a:ext>
-            </a:extLst>
-          </p:cNvPr>
-          <p:cNvPicPr>
-            <a:picLocks noChangeAspect="1"/>
-          </p:cNvPicPr>
-          <p:nvPr userDrawn="1"/>
-        </p:nvPicPr>
-        <p:blipFill rotWithShape="1">
-          <a:blip r:embed="rId4"/>
-          <a:srcRect l="75264" t="32059" b="11632"/>
-          <a:stretch/>
-        </p:blipFill>
-        <p:spPr>
-          <a:xfrm>
-            <a:off x="10054396" y="2576606"/>
-            <a:ext cx="2137604" cy="3649569"/>
-          </a:xfrm>
-          <a:prstGeom prst="rect">
-            <a:avLst/>
-          </a:prstGeom>
-        </p:spPr>
-      </p:pic>
-      <p:sp>
-        <p:nvSpPr>
-          <p:cNvPr id="25" name="文本框 15">
-            <a:extLst>
-              <a:ext uri="{FF2B5EF4-FFF2-40B4-BE49-F238E27FC236}">
-                <a16:creationId xmlns:a16="http://schemas.microsoft.com/office/drawing/2014/main" id="{1506C28B-EE26-1B7E-084A-086E10FE08CC}"/>
-              </a:ext>
-            </a:extLst>
-          </p:cNvPr>
-          <p:cNvSpPr txBox="1"/>
-          <p:nvPr userDrawn="1"/>
-        </p:nvSpPr>
-        <p:spPr>
-          <a:xfrm>
-            <a:off x="0" y="6569765"/>
-            <a:ext cx="3991087" cy="276999"/>
-          </a:xfrm>
-          <a:prstGeom prst="rect">
-            <a:avLst/>
-          </a:prstGeom>
-          <a:noFill/>
-        </p:spPr>
-        <p:txBody>
-          <a:bodyPr wrap="square" rtlCol="0" anchor="ctr" anchorCtr="1">
-            <a:spAutoFit/>
-          </a:bodyPr>
-          <a:lstStyle>
-            <a:defPPr>
-              <a:defRPr lang="zh-CN"/>
-            </a:defPPr>
-            <a:lvl1pPr marL="0" algn="l" defTabSz="914400" rtl="0" eaLnBrk="1" latinLnBrk="0" hangingPunct="1">
-              <a:defRPr sz="1800" kern="1200">
-                <a:solidFill>
-                  <a:schemeClr val="tx1"/>
-                </a:solidFill>
-                <a:latin typeface="+mn-lt"/>
-                <a:ea typeface="+mn-ea"/>
-                <a:cs typeface="+mn-cs"/>
-              </a:defRPr>
-            </a:lvl1pPr>
-            <a:lvl2pPr marL="457200" algn="l" defTabSz="914400" rtl="0" eaLnBrk="1" latinLnBrk="0" hangingPunct="1">
-              <a:defRPr sz="1800" kern="1200">
-                <a:solidFill>
-                  <a:schemeClr val="tx1"/>
-                </a:solidFill>
-                <a:latin typeface="+mn-lt"/>
-                <a:ea typeface="+mn-ea"/>
-                <a:cs typeface="+mn-cs"/>
-              </a:defRPr>
-            </a:lvl2pPr>
-            <a:lvl3pPr marL="914400" algn="l" defTabSz="914400" rtl="0" eaLnBrk="1" latinLnBrk="0" hangingPunct="1">
-              <a:defRPr sz="1800" kern="1200">
-                <a:solidFill>
-                  <a:schemeClr val="tx1"/>
-                </a:solidFill>
-                <a:latin typeface="+mn-lt"/>
-                <a:ea typeface="+mn-ea"/>
-                <a:cs typeface="+mn-cs"/>
-              </a:defRPr>
-            </a:lvl3pPr>
-            <a:lvl4pPr marL="1371600" algn="l" defTabSz="914400" rtl="0" eaLnBrk="1" latinLnBrk="0" hangingPunct="1">
-              <a:defRPr sz="1800" kern="1200">
-                <a:solidFill>
-                  <a:schemeClr val="tx1"/>
-                </a:solidFill>
-                <a:latin typeface="+mn-lt"/>
-                <a:ea typeface="+mn-ea"/>
-                <a:cs typeface="+mn-cs"/>
-              </a:defRPr>
-            </a:lvl4pPr>
-            <a:lvl5pPr marL="1828800" algn="l" defTabSz="914400" rtl="0" eaLnBrk="1" latinLnBrk="0" hangingPunct="1">
-              <a:defRPr sz="1800" kern="1200">
-                <a:solidFill>
-                  <a:schemeClr val="tx1"/>
-                </a:solidFill>
-                <a:latin typeface="+mn-lt"/>
-                <a:ea typeface="+mn-ea"/>
-                <a:cs typeface="+mn-cs"/>
-              </a:defRPr>
-            </a:lvl5pPr>
-            <a:lvl6pPr marL="2286000" algn="l" defTabSz="914400" rtl="0" eaLnBrk="1" latinLnBrk="0" hangingPunct="1">
-              <a:defRPr sz="1800" kern="1200">
-                <a:solidFill>
-                  <a:schemeClr val="tx1"/>
-                </a:solidFill>
-                <a:latin typeface="+mn-lt"/>
-                <a:ea typeface="+mn-ea"/>
-                <a:cs typeface="+mn-cs"/>
-              </a:defRPr>
-            </a:lvl6pPr>
-            <a:lvl7pPr marL="2743200" algn="l" defTabSz="914400" rtl="0" eaLnBrk="1" latinLnBrk="0" hangingPunct="1">
-              <a:defRPr sz="1800" kern="1200">
-                <a:solidFill>
-                  <a:schemeClr val="tx1"/>
-                </a:solidFill>
-                <a:latin typeface="+mn-lt"/>
-                <a:ea typeface="+mn-ea"/>
-                <a:cs typeface="+mn-cs"/>
-              </a:defRPr>
-            </a:lvl7pPr>
-            <a:lvl8pPr marL="3200400" algn="l" defTabSz="914400" rtl="0" eaLnBrk="1" latinLnBrk="0" hangingPunct="1">
-              <a:defRPr sz="1800" kern="1200">
-                <a:solidFill>
-                  <a:schemeClr val="tx1"/>
-                </a:solidFill>
-                <a:latin typeface="+mn-lt"/>
-                <a:ea typeface="+mn-ea"/>
-                <a:cs typeface="+mn-cs"/>
-              </a:defRPr>
-            </a:lvl8pPr>
-            <a:lvl9pPr marL="3657600" algn="l" defTabSz="914400" rtl="0" eaLnBrk="1" latinLnBrk="0" hangingPunct="1">
-              <a:defRPr sz="1800" kern="1200">
-                <a:solidFill>
-                  <a:schemeClr val="tx1"/>
-                </a:solidFill>
-                <a:latin typeface="+mn-lt"/>
-                <a:ea typeface="+mn-ea"/>
-                <a:cs typeface="+mn-cs"/>
-              </a:defRPr>
-            </a:lvl9pPr>
-          </a:lstStyle>
-          <a:p>
-            <a:r>
-              <a:rPr kumimoji="1" lang="en-US" altLang="zh-CN" sz="1200" dirty="0">
-                <a:solidFill>
-                  <a:schemeClr val="bg1"/>
-                </a:solidFill>
-                <a:latin typeface="Arial" panose="020B0604020202020204" pitchFamily="34" charset="0"/>
-                <a:cs typeface="Arial" panose="020B0604020202020204" pitchFamily="34" charset="0"/>
-              </a:rPr>
-              <a:t>Another</a:t>
-            </a:r>
-            <a:r>
-              <a:rPr kumimoji="1" lang="zh-CN" altLang="en-US" sz="1200" dirty="0">
-                <a:solidFill>
-                  <a:schemeClr val="bg1"/>
-                </a:solidFill>
-                <a:latin typeface="Arial" panose="020B0604020202020204" pitchFamily="34" charset="0"/>
-                <a:cs typeface="Arial" panose="020B0604020202020204" pitchFamily="34" charset="0"/>
-              </a:rPr>
-              <a:t> </a:t>
-            </a:r>
-            <a:r>
-              <a:rPr kumimoji="1" lang="en-US" altLang="zh-CN" sz="1200" dirty="0">
-                <a:solidFill>
-                  <a:schemeClr val="bg1"/>
-                </a:solidFill>
-                <a:latin typeface="Arial" panose="020B0604020202020204" pitchFamily="34" charset="0"/>
-                <a:cs typeface="Arial" panose="020B0604020202020204" pitchFamily="34" charset="0"/>
-              </a:rPr>
-              <a:t>name</a:t>
-            </a:r>
-            <a:endParaRPr kumimoji="1" lang="zh-CN" altLang="en-US" sz="1200" dirty="0">
-              <a:solidFill>
-                <a:schemeClr val="bg1"/>
-              </a:solidFill>
-              <a:latin typeface="Arial" panose="020B0604020202020204" pitchFamily="34" charset="0"/>
-              <a:cs typeface="Arial" panose="020B0604020202020204" pitchFamily="34" charset="0"/>
-            </a:endParaRPr>
-          </a:p>
-        </p:txBody>
-      </p:sp>
-      <p:sp>
-        <p:nvSpPr>
-          <p:cNvPr id="26" name="文本框 16">
-            <a:extLst>
-              <a:ext uri="{FF2B5EF4-FFF2-40B4-BE49-F238E27FC236}">
-                <a16:creationId xmlns:a16="http://schemas.microsoft.com/office/drawing/2014/main" id="{944B4AE1-7152-BF0C-0000-25D691F4719D}"/>
-              </a:ext>
-            </a:extLst>
-          </p:cNvPr>
-          <p:cNvSpPr txBox="1"/>
-          <p:nvPr userDrawn="1"/>
-        </p:nvSpPr>
-        <p:spPr>
-          <a:xfrm>
-            <a:off x="3991087" y="6581001"/>
-            <a:ext cx="7170555" cy="276999"/>
-          </a:xfrm>
-          <a:prstGeom prst="rect">
-            <a:avLst/>
-          </a:prstGeom>
-          <a:noFill/>
-        </p:spPr>
-        <p:txBody>
-          <a:bodyPr wrap="square" rtlCol="0" anchor="ctr" anchorCtr="1">
-            <a:spAutoFit/>
-          </a:bodyPr>
-          <a:lstStyle>
-            <a:defPPr>
-              <a:defRPr lang="zh-CN"/>
-            </a:defPPr>
-            <a:lvl1pPr marL="0" algn="l" defTabSz="914400" rtl="0" eaLnBrk="1" latinLnBrk="0" hangingPunct="1">
-              <a:defRPr sz="1800" kern="1200">
-                <a:solidFill>
-                  <a:schemeClr val="tx1"/>
-                </a:solidFill>
-                <a:latin typeface="+mn-lt"/>
-                <a:ea typeface="+mn-ea"/>
-                <a:cs typeface="+mn-cs"/>
-              </a:defRPr>
-            </a:lvl1pPr>
-            <a:lvl2pPr marL="457200" algn="l" defTabSz="914400" rtl="0" eaLnBrk="1" latinLnBrk="0" hangingPunct="1">
-              <a:defRPr sz="1800" kern="1200">
-                <a:solidFill>
-                  <a:schemeClr val="tx1"/>
-                </a:solidFill>
-                <a:latin typeface="+mn-lt"/>
-                <a:ea typeface="+mn-ea"/>
-                <a:cs typeface="+mn-cs"/>
-              </a:defRPr>
-            </a:lvl2pPr>
-            <a:lvl3pPr marL="914400" algn="l" defTabSz="914400" rtl="0" eaLnBrk="1" latinLnBrk="0" hangingPunct="1">
-              <a:defRPr sz="1800" kern="1200">
-                <a:solidFill>
-                  <a:schemeClr val="tx1"/>
-                </a:solidFill>
-                <a:latin typeface="+mn-lt"/>
-                <a:ea typeface="+mn-ea"/>
-                <a:cs typeface="+mn-cs"/>
-              </a:defRPr>
-            </a:lvl3pPr>
-            <a:lvl4pPr marL="1371600" algn="l" defTabSz="914400" rtl="0" eaLnBrk="1" latinLnBrk="0" hangingPunct="1">
-              <a:defRPr sz="1800" kern="1200">
-                <a:solidFill>
-                  <a:schemeClr val="tx1"/>
-                </a:solidFill>
-                <a:latin typeface="+mn-lt"/>
-                <a:ea typeface="+mn-ea"/>
-                <a:cs typeface="+mn-cs"/>
-              </a:defRPr>
-            </a:lvl4pPr>
-            <a:lvl5pPr marL="1828800" algn="l" defTabSz="914400" rtl="0" eaLnBrk="1" latinLnBrk="0" hangingPunct="1">
-              <a:defRPr sz="1800" kern="1200">
-                <a:solidFill>
-                  <a:schemeClr val="tx1"/>
-                </a:solidFill>
-                <a:latin typeface="+mn-lt"/>
-                <a:ea typeface="+mn-ea"/>
-                <a:cs typeface="+mn-cs"/>
-              </a:defRPr>
-            </a:lvl5pPr>
-            <a:lvl6pPr marL="2286000" algn="l" defTabSz="914400" rtl="0" eaLnBrk="1" latinLnBrk="0" hangingPunct="1">
-              <a:defRPr sz="1800" kern="1200">
-                <a:solidFill>
-                  <a:schemeClr val="tx1"/>
-                </a:solidFill>
-                <a:latin typeface="+mn-lt"/>
-                <a:ea typeface="+mn-ea"/>
-                <a:cs typeface="+mn-cs"/>
-              </a:defRPr>
-            </a:lvl6pPr>
-            <a:lvl7pPr marL="2743200" algn="l" defTabSz="914400" rtl="0" eaLnBrk="1" latinLnBrk="0" hangingPunct="1">
-              <a:defRPr sz="1800" kern="1200">
-                <a:solidFill>
-                  <a:schemeClr val="tx1"/>
-                </a:solidFill>
-                <a:latin typeface="+mn-lt"/>
-                <a:ea typeface="+mn-ea"/>
-                <a:cs typeface="+mn-cs"/>
-              </a:defRPr>
-            </a:lvl7pPr>
-            <a:lvl8pPr marL="3200400" algn="l" defTabSz="914400" rtl="0" eaLnBrk="1" latinLnBrk="0" hangingPunct="1">
-              <a:defRPr sz="1800" kern="1200">
-                <a:solidFill>
-                  <a:schemeClr val="tx1"/>
-                </a:solidFill>
-                <a:latin typeface="+mn-lt"/>
-                <a:ea typeface="+mn-ea"/>
-                <a:cs typeface="+mn-cs"/>
-              </a:defRPr>
-            </a:lvl8pPr>
-            <a:lvl9pPr marL="3657600" algn="l" defTabSz="914400" rtl="0" eaLnBrk="1" latinLnBrk="0" hangingPunct="1">
-              <a:defRPr sz="1800" kern="1200">
-                <a:solidFill>
-                  <a:schemeClr val="tx1"/>
-                </a:solidFill>
-                <a:latin typeface="+mn-lt"/>
-                <a:ea typeface="+mn-ea"/>
-                <a:cs typeface="+mn-cs"/>
-              </a:defRPr>
-            </a:lvl9pPr>
-          </a:lstStyle>
-          <a:p>
-            <a:r>
-              <a:rPr kumimoji="1" lang="en-US" altLang="zh-CN" sz="1200" dirty="0">
-                <a:solidFill>
-                  <a:schemeClr val="bg1"/>
-                </a:solidFill>
-                <a:latin typeface="Arial" panose="020B0604020202020204" pitchFamily="34" charset="0"/>
-                <a:cs typeface="Arial" panose="020B0604020202020204" pitchFamily="34" charset="0"/>
-              </a:rPr>
-              <a:t>Title</a:t>
-            </a:r>
-            <a:endParaRPr kumimoji="1" lang="zh-CN" altLang="en-US" sz="1200" dirty="0">
-              <a:solidFill>
-                <a:schemeClr val="bg1"/>
-              </a:solidFill>
-              <a:latin typeface="Arial" panose="020B0604020202020204" pitchFamily="34" charset="0"/>
-              <a:cs typeface="Arial" panose="020B0604020202020204" pitchFamily="34" charset="0"/>
-            </a:endParaRPr>
-          </a:p>
-        </p:txBody>
-      </p:sp>
-    </p:spTree>
-    <p:extLst>
-      <p:ext uri="{BB962C8B-B14F-4D97-AF65-F5344CB8AC3E}">
-        <p14:creationId xmlns:p14="http://schemas.microsoft.com/office/powerpoint/2010/main" val="2657690074"/>
-      </p:ext>
-    </p:extLst>
-  </p:cSld>
-  <p:clrMap bg1="lt1" tx1="dk1" bg2="lt2" tx2="dk2" accent1="accent1" accent2="accent2" accent3="accent3" accent4="accent4" accent5="accent5" accent6="accent6" hlink="hlink" folHlink="folHlink"/>
-  <p:sldLayoutIdLst>
-    <p:sldLayoutId id="2147483672" r:id="rId1"/>
-  </p:sldLayoutIdLst>
-  <p:hf sldNum="0" hdr="0" dt="0"/>
-  <p:txStyles>
-    <p:titleStyle>
-      <a:lvl1pPr algn="l" defTabSz="914400" rtl="0" eaLnBrk="1" latinLnBrk="0" hangingPunct="1">
-        <a:lnSpc>
-          <a:spcPct val="90000"/>
-        </a:lnSpc>
-        <a:spcBef>
-          <a:spcPct val="0"/>
-        </a:spcBef>
-        <a:buNone/>
-        <a:defRPr sz="4400" kern="1200">
-          <a:solidFill>
-            <a:schemeClr val="tx1"/>
-          </a:solidFill>
-          <a:latin typeface="+mj-lt"/>
-          <a:ea typeface="+mj-ea"/>
-          <a:cs typeface="+mj-cs"/>
-        </a:defRPr>
-      </a:lvl1pPr>
-    </p:titleStyle>
-    <p:bodyStyle>
-      <a:lvl1pPr marL="228600" indent="-228600" algn="l" defTabSz="914400" rtl="0" eaLnBrk="1" latinLnBrk="0" hangingPunct="1">
-        <a:lnSpc>
-          <a:spcPct val="90000"/>
-        </a:lnSpc>
-        <a:spcBef>
-          <a:spcPts val="1000"/>
-        </a:spcBef>
-        <a:buFont typeface="Arial" panose="020B0604020202020204" pitchFamily="34" charset="0"/>
-        <a:buChar char="•"/>
-        <a:defRPr sz="2800" kern="1200">
-          <a:solidFill>
-            <a:schemeClr val="tx1"/>
-          </a:solidFill>
-          <a:latin typeface="+mn-lt"/>
-          <a:ea typeface="+mn-ea"/>
-          <a:cs typeface="+mn-cs"/>
-        </a:defRPr>
-      </a:lvl1pPr>
-      <a:lvl2pPr marL="685800" indent="-228600" algn="l" defTabSz="914400" rtl="0" eaLnBrk="1" latinLnBrk="0" hangingPunct="1">
-        <a:lnSpc>
-          <a:spcPct val="90000"/>
-        </a:lnSpc>
-        <a:spcBef>
-          <a:spcPts val="500"/>
-        </a:spcBef>
-        <a:buFont typeface="Arial" panose="020B0604020202020204" pitchFamily="34" charset="0"/>
-        <a:buChar char="•"/>
-        <a:defRPr sz="2400" kern="1200">
-          <a:solidFill>
-            <a:schemeClr val="tx1"/>
-          </a:solidFill>
-          <a:latin typeface="+mn-lt"/>
-          <a:ea typeface="+mn-ea"/>
-          <a:cs typeface="+mn-cs"/>
-        </a:defRPr>
-      </a:lvl2pPr>
-      <a:lvl3pPr marL="1143000" indent="-228600" algn="l" defTabSz="914400" rtl="0" eaLnBrk="1" latinLnBrk="0" hangingPunct="1">
-        <a:lnSpc>
-          <a:spcPct val="90000"/>
-        </a:lnSpc>
-        <a:spcBef>
-          <a:spcPts val="500"/>
-        </a:spcBef>
-        <a:buFont typeface="Arial" panose="020B0604020202020204" pitchFamily="34" charset="0"/>
-        <a:buChar char="•"/>
-        <a:defRPr sz="2000" kern="1200">
-          <a:solidFill>
-            <a:schemeClr val="tx1"/>
-          </a:solidFill>
-          <a:latin typeface="+mn-lt"/>
-          <a:ea typeface="+mn-ea"/>
-          <a:cs typeface="+mn-cs"/>
-        </a:defRPr>
-      </a:lvl3pPr>
-      <a:lvl4pPr marL="1600200" indent="-228600" algn="l" defTabSz="914400" rtl="0" eaLnBrk="1" latinLnBrk="0" hangingPunct="1">
-        <a:lnSpc>
-          <a:spcPct val="90000"/>
-        </a:lnSpc>
-        <a:spcBef>
-          <a:spcPts val="500"/>
-        </a:spcBef>
-        <a:buFont typeface="Arial" panose="020B0604020202020204" pitchFamily="34" charset="0"/>
-        <a:buChar char="•"/>
-        <a:defRPr sz="1800" kern="1200">
-          <a:solidFill>
-            <a:schemeClr val="tx1"/>
-          </a:solidFill>
-          <a:latin typeface="+mn-lt"/>
-          <a:ea typeface="+mn-ea"/>
-          <a:cs typeface="+mn-cs"/>
-        </a:defRPr>
-      </a:lvl4pPr>
-      <a:lvl5pPr marL="2057400" indent="-228600" algn="l" defTabSz="914400" rtl="0" eaLnBrk="1" latinLnBrk="0" hangingPunct="1">
-        <a:lnSpc>
-          <a:spcPct val="90000"/>
-        </a:lnSpc>
-        <a:spcBef>
-          <a:spcPts val="500"/>
-        </a:spcBef>
-        <a:buFont typeface="Arial" panose="020B0604020202020204" pitchFamily="34" charset="0"/>
-        <a:buChar char="•"/>
-        <a:defRPr sz="1800" kern="1200">
-          <a:solidFill>
-            <a:schemeClr val="tx1"/>
-          </a:solidFill>
-          <a:latin typeface="+mn-lt"/>
-          <a:ea typeface="+mn-ea"/>
-          <a:cs typeface="+mn-cs"/>
-        </a:defRPr>
-      </a:lvl5pPr>
-      <a:lvl6pPr marL="2514600" indent="-228600" algn="l" defTabSz="914400" rtl="0" eaLnBrk="1" latinLnBrk="0" hangingPunct="1">
-        <a:lnSpc>
-          <a:spcPct val="90000"/>
-        </a:lnSpc>
-        <a:spcBef>
-          <a:spcPts val="500"/>
-        </a:spcBef>
-        <a:buFont typeface="Arial" panose="020B0604020202020204" pitchFamily="34" charset="0"/>
-        <a:buChar char="•"/>
-        <a:defRPr sz="1800" kern="1200">
-          <a:solidFill>
-            <a:schemeClr val="tx1"/>
-          </a:solidFill>
-          <a:latin typeface="+mn-lt"/>
-          <a:ea typeface="+mn-ea"/>
-          <a:cs typeface="+mn-cs"/>
-        </a:defRPr>
-      </a:lvl6pPr>
-      <a:lvl7pPr marL="2971800" indent="-228600" algn="l" defTabSz="914400" rtl="0" eaLnBrk="1" latinLnBrk="0" hangingPunct="1">
-        <a:lnSpc>
-          <a:spcPct val="90000"/>
-        </a:lnSpc>
-        <a:spcBef>
-          <a:spcPts val="500"/>
-        </a:spcBef>
-        <a:buFont typeface="Arial" panose="020B0604020202020204" pitchFamily="34" charset="0"/>
-        <a:buChar char="•"/>
-        <a:defRPr sz="1800" kern="1200">
-          <a:solidFill>
-            <a:schemeClr val="tx1"/>
-          </a:solidFill>
-          <a:latin typeface="+mn-lt"/>
-          <a:ea typeface="+mn-ea"/>
-          <a:cs typeface="+mn-cs"/>
-        </a:defRPr>
-      </a:lvl7pPr>
-      <a:lvl8pPr marL="3429000" indent="-228600" algn="l" defTabSz="914400" rtl="0" eaLnBrk="1" latinLnBrk="0" hangingPunct="1">
-        <a:lnSpc>
-          <a:spcPct val="90000"/>
-        </a:lnSpc>
-        <a:spcBef>
-          <a:spcPts val="500"/>
-        </a:spcBef>
-        <a:buFont typeface="Arial" panose="020B0604020202020204" pitchFamily="34" charset="0"/>
-        <a:buChar char="•"/>
-        <a:defRPr sz="1800" kern="1200">
-          <a:solidFill>
-            <a:schemeClr val="tx1"/>
-          </a:solidFill>
-          <a:latin typeface="+mn-lt"/>
-          <a:ea typeface="+mn-ea"/>
-          <a:cs typeface="+mn-cs"/>
-        </a:defRPr>
-      </a:lvl8pPr>
-      <a:lvl9pPr marL="3886200" indent="-228600" algn="l" defTabSz="914400" rtl="0" eaLnBrk="1" latinLnBrk="0" hangingPunct="1">
-        <a:lnSpc>
-          <a:spcPct val="90000"/>
-        </a:lnSpc>
-        <a:spcBef>
-          <a:spcPts val="500"/>
-        </a:spcBef>
-        <a:buFont typeface="Arial" panose="020B0604020202020204" pitchFamily="34" charset="0"/>
-        <a:buChar char="•"/>
-        <a:defRPr sz="1800" kern="1200">
-          <a:solidFill>
-            <a:schemeClr val="tx1"/>
-          </a:solidFill>
-          <a:latin typeface="+mn-lt"/>
-          <a:ea typeface="+mn-ea"/>
-          <a:cs typeface="+mn-cs"/>
-        </a:defRPr>
-      </a:lvl9pPr>
-    </p:bodyStyle>
-    <p:otherStyle>
-      <a:defPPr>
-        <a:defRPr lang="zh-CN"/>
-      </a:defPPr>
-      <a:lvl1pPr marL="0" algn="l" defTabSz="914400" rtl="0" eaLnBrk="1" latinLnBrk="0" hangingPunct="1">
-        <a:defRPr sz="1800" kern="1200">
-          <a:solidFill>
-            <a:schemeClr val="tx1"/>
-          </a:solidFill>
-          <a:latin typeface="+mn-lt"/>
-          <a:ea typeface="+mn-ea"/>
-          <a:cs typeface="+mn-cs"/>
-        </a:defRPr>
-      </a:lvl1pPr>
-      <a:lvl2pPr marL="457200" algn="l" defTabSz="914400" rtl="0" eaLnBrk="1" latinLnBrk="0" hangingPunct="1">
-        <a:defRPr sz="1800" kern="1200">
-          <a:solidFill>
-            <a:schemeClr val="tx1"/>
-          </a:solidFill>
-          <a:latin typeface="+mn-lt"/>
-          <a:ea typeface="+mn-ea"/>
-          <a:cs typeface="+mn-cs"/>
-        </a:defRPr>
-      </a:lvl2pPr>
-      <a:lvl3pPr marL="914400" algn="l" defTabSz="914400" rtl="0" eaLnBrk="1" latinLnBrk="0" hangingPunct="1">
-        <a:defRPr sz="1800" kern="1200">
-          <a:solidFill>
-            <a:schemeClr val="tx1"/>
-          </a:solidFill>
-          <a:latin typeface="+mn-lt"/>
-          <a:ea typeface="+mn-ea"/>
-          <a:cs typeface="+mn-cs"/>
-        </a:defRPr>
-      </a:lvl3pPr>
-      <a:lvl4pPr marL="1371600" algn="l" defTabSz="914400" rtl="0" eaLnBrk="1" latinLnBrk="0" hangingPunct="1">
-        <a:defRPr sz="1800" kern="1200">
-          <a:solidFill>
-            <a:schemeClr val="tx1"/>
-          </a:solidFill>
-          <a:latin typeface="+mn-lt"/>
-          <a:ea typeface="+mn-ea"/>
-          <a:cs typeface="+mn-cs"/>
-        </a:defRPr>
-      </a:lvl4pPr>
-      <a:lvl5pPr marL="1828800" algn="l" defTabSz="914400" rtl="0" eaLnBrk="1" latinLnBrk="0" hangingPunct="1">
-        <a:defRPr sz="1800" kern="1200">
-          <a:solidFill>
-            <a:schemeClr val="tx1"/>
-          </a:solidFill>
-          <a:latin typeface="+mn-lt"/>
-          <a:ea typeface="+mn-ea"/>
-          <a:cs typeface="+mn-cs"/>
-        </a:defRPr>
-      </a:lvl5pPr>
-      <a:lvl6pPr marL="2286000" algn="l" defTabSz="914400" rtl="0" eaLnBrk="1" latinLnBrk="0" hangingPunct="1">
-        <a:defRPr sz="1800" kern="1200">
-          <a:solidFill>
-            <a:schemeClr val="tx1"/>
-          </a:solidFill>
-          <a:latin typeface="+mn-lt"/>
-          <a:ea typeface="+mn-ea"/>
-          <a:cs typeface="+mn-cs"/>
-        </a:defRPr>
-      </a:lvl6pPr>
-      <a:lvl7pPr marL="2743200" algn="l" defTabSz="914400" rtl="0" eaLnBrk="1" latinLnBrk="0" hangingPunct="1">
-        <a:defRPr sz="1800" kern="1200">
-          <a:solidFill>
-            <a:schemeClr val="tx1"/>
-          </a:solidFill>
-          <a:latin typeface="+mn-lt"/>
-          <a:ea typeface="+mn-ea"/>
-          <a:cs typeface="+mn-cs"/>
-        </a:defRPr>
-      </a:lvl7pPr>
-      <a:lvl8pPr marL="3200400" algn="l" defTabSz="914400" rtl="0" eaLnBrk="1" latinLnBrk="0" hangingPunct="1">
-        <a:defRPr sz="1800" kern="1200">
-          <a:solidFill>
-            <a:schemeClr val="tx1"/>
-          </a:solidFill>
-          <a:latin typeface="+mn-lt"/>
-          <a:ea typeface="+mn-ea"/>
-          <a:cs typeface="+mn-cs"/>
-        </a:defRPr>
-      </a:lvl8pPr>
-      <a:lvl9pPr marL="3657600" algn="l" defTabSz="914400" rtl="0" eaLnBrk="1" latinLnBrk="0" hangingPunct="1">
-        <a:defRPr sz="1800" kern="1200">
-          <a:solidFill>
-            <a:schemeClr val="tx1"/>
-          </a:solidFill>
-          <a:latin typeface="+mn-lt"/>
-          <a:ea typeface="+mn-ea"/>
-          <a:cs typeface="+mn-cs"/>
-        </a:defRPr>
-      </a:lvl9pPr>
-    </p:otherStyle>
-  </p:txStyles>
-</p:sldMaster>
-</file>
-
-<file path=ppt/slideMasters/slideMaster3.xml><?xml version="1.0" encoding="utf-8"?>
-<p:sldMaster xmlns:a="http://schemas.openxmlformats.org/drawingml/2006/main" xmlns:r="http://schemas.openxmlformats.org/officeDocument/2006/relationships" xmlns:p="http://schemas.openxmlformats.org/presentationml/2006/main" preserve="1">
-  <p:cSld>
-    <p:bg>
-      <p:bgRef idx="1001">
-        <a:schemeClr val="bg1"/>
-      </p:bgRef>
-    </p:bg>
-    <p:spTree>
-      <p:nvGrpSpPr>
-        <p:cNvPr id="1" name=""/>
-        <p:cNvGrpSpPr/>
-        <p:nvPr/>
-      </p:nvGrpSpPr>
-      <p:grpSpPr>
-        <a:xfrm>
-          <a:off x="0" y="0"/>
-          <a:ext cx="0" cy="0"/>
-          <a:chOff x="0" y="0"/>
-          <a:chExt cx="0" cy="0"/>
-        </a:xfrm>
-      </p:grpSpPr>
-      <p:grpSp>
-        <p:nvGrpSpPr>
-          <p:cNvPr id="9" name="组合 8">
-            <a:extLst>
-              <a:ext uri="{FF2B5EF4-FFF2-40B4-BE49-F238E27FC236}">
-                <a16:creationId xmlns:a16="http://schemas.microsoft.com/office/drawing/2014/main" id="{1E8E1EB6-F697-D5FC-35DF-732AC5C8D9C2}"/>
-              </a:ext>
-            </a:extLst>
-          </p:cNvPr>
-          <p:cNvGrpSpPr/>
-          <p:nvPr userDrawn="1"/>
-        </p:nvGrpSpPr>
-        <p:grpSpPr>
-          <a:xfrm>
-            <a:off x="0" y="6569765"/>
-            <a:ext cx="12192000" cy="288235"/>
-            <a:chOff x="23105" y="6569765"/>
-            <a:chExt cx="12192000" cy="288235"/>
-          </a:xfrm>
-        </p:grpSpPr>
-        <p:sp>
-          <p:nvSpPr>
-            <p:cNvPr id="10" name="矩形 9">
-              <a:extLst>
-                <a:ext uri="{FF2B5EF4-FFF2-40B4-BE49-F238E27FC236}">
-                  <a16:creationId xmlns:a16="http://schemas.microsoft.com/office/drawing/2014/main" id="{56B63E64-41B7-29C6-F67D-2E12F0E67A43}"/>
-                </a:ext>
-              </a:extLst>
-            </p:cNvPr>
-            <p:cNvSpPr/>
-            <p:nvPr userDrawn="1"/>
-          </p:nvSpPr>
-          <p:spPr>
-            <a:xfrm>
-              <a:off x="23105" y="6569765"/>
-              <a:ext cx="4005470" cy="288235"/>
-            </a:xfrm>
-            <a:prstGeom prst="rect">
-              <a:avLst/>
-            </a:prstGeom>
-            <a:solidFill>
-              <a:srgbClr val="002C55"/>
-            </a:solidFill>
-            <a:ln>
-              <a:noFill/>
-            </a:ln>
-          </p:spPr>
-          <p:style>
-            <a:lnRef idx="2">
-              <a:schemeClr val="accent1">
-                <a:shade val="50000"/>
-              </a:schemeClr>
-            </a:lnRef>
-            <a:fillRef idx="1">
-              <a:schemeClr val="accent1"/>
-            </a:fillRef>
-            <a:effectRef idx="0">
-              <a:schemeClr val="accent1"/>
-            </a:effectRef>
-            <a:fontRef idx="minor">
-              <a:schemeClr val="lt1"/>
-            </a:fontRef>
-          </p:style>
-          <p:txBody>
-            <a:bodyPr rtlCol="0" anchor="ctr"/>
-            <a:lstStyle/>
-            <a:p>
-              <a:pPr algn="ctr"/>
-              <a:endParaRPr kumimoji="1" lang="zh-CN" altLang="en-US" dirty="0"/>
-            </a:p>
-          </p:txBody>
-        </p:sp>
-        <p:sp>
-          <p:nvSpPr>
-            <p:cNvPr id="11" name="矩形 10">
-              <a:extLst>
-                <a:ext uri="{FF2B5EF4-FFF2-40B4-BE49-F238E27FC236}">
-                  <a16:creationId xmlns:a16="http://schemas.microsoft.com/office/drawing/2014/main" id="{627B7671-06A0-0B88-4F1E-2614F008AAAE}"/>
-                </a:ext>
-              </a:extLst>
-            </p:cNvPr>
-            <p:cNvSpPr/>
-            <p:nvPr userDrawn="1"/>
-          </p:nvSpPr>
-          <p:spPr>
-            <a:xfrm>
-              <a:off x="4028575" y="6569765"/>
-              <a:ext cx="8186530" cy="288235"/>
-            </a:xfrm>
-            <a:prstGeom prst="rect">
-              <a:avLst/>
-            </a:prstGeom>
-            <a:solidFill>
-              <a:srgbClr val="005F96"/>
-            </a:solidFill>
-            <a:ln>
-              <a:noFill/>
-            </a:ln>
-          </p:spPr>
-          <p:style>
-            <a:lnRef idx="2">
-              <a:schemeClr val="accent1">
-                <a:shade val="50000"/>
-              </a:schemeClr>
-            </a:lnRef>
-            <a:fillRef idx="1">
-              <a:schemeClr val="accent1"/>
-            </a:fillRef>
-            <a:effectRef idx="0">
-              <a:schemeClr val="accent1"/>
-            </a:effectRef>
-            <a:fontRef idx="minor">
-              <a:schemeClr val="lt1"/>
-            </a:fontRef>
-          </p:style>
-          <p:txBody>
-            <a:bodyPr rtlCol="0" anchor="ctr"/>
-            <a:lstStyle/>
-            <a:p>
-              <a:pPr algn="ctr"/>
-              <a:endParaRPr kumimoji="1" lang="zh-CN" altLang="en-US" dirty="0"/>
-            </a:p>
-          </p:txBody>
-        </p:sp>
-        <p:cxnSp>
-          <p:nvCxnSpPr>
-            <p:cNvPr id="12" name="直线连接符 11">
-              <a:extLst>
-                <a:ext uri="{FF2B5EF4-FFF2-40B4-BE49-F238E27FC236}">
-                  <a16:creationId xmlns:a16="http://schemas.microsoft.com/office/drawing/2014/main" id="{C19BD5FD-3430-9759-FA97-9BC8E5420374}"/>
-                </a:ext>
-              </a:extLst>
-            </p:cNvPr>
-            <p:cNvCxnSpPr/>
-            <p:nvPr userDrawn="1"/>
-          </p:nvCxnSpPr>
-          <p:spPr>
-            <a:xfrm>
-              <a:off x="11181256" y="6569765"/>
-              <a:ext cx="0" cy="288235"/>
-            </a:xfrm>
-            <a:prstGeom prst="line">
-              <a:avLst/>
-            </a:prstGeom>
-            <a:ln>
-              <a:solidFill>
-                <a:schemeClr val="bg1"/>
-              </a:solidFill>
-            </a:ln>
-          </p:spPr>
-          <p:style>
-            <a:lnRef idx="1">
-              <a:schemeClr val="accent1"/>
-            </a:lnRef>
-            <a:fillRef idx="0">
-              <a:schemeClr val="accent1"/>
-            </a:fillRef>
-            <a:effectRef idx="0">
-              <a:schemeClr val="accent1"/>
-            </a:effectRef>
-            <a:fontRef idx="minor">
-              <a:schemeClr val="tx1"/>
-            </a:fontRef>
-          </p:style>
-        </p:cxnSp>
-      </p:grpSp>
-      <p:sp>
-        <p:nvSpPr>
-          <p:cNvPr id="13" name="页脚占位符 4">
-            <a:extLst>
-              <a:ext uri="{FF2B5EF4-FFF2-40B4-BE49-F238E27FC236}">
-                <a16:creationId xmlns:a16="http://schemas.microsoft.com/office/drawing/2014/main" id="{05B95B01-137C-CEB2-B703-00FA1C4D5432}"/>
-              </a:ext>
-            </a:extLst>
-          </p:cNvPr>
-          <p:cNvSpPr>
-            <a:spLocks noGrp="1"/>
-          </p:cNvSpPr>
-          <p:nvPr>
-            <p:ph type="ftr" sz="quarter" idx="3"/>
-          </p:nvPr>
-        </p:nvSpPr>
-        <p:spPr>
-          <a:xfrm>
-            <a:off x="11158151" y="6569765"/>
-            <a:ext cx="1010753" cy="288235"/>
-          </a:xfrm>
-          <a:prstGeom prst="rect">
-            <a:avLst/>
-          </a:prstGeom>
-        </p:spPr>
-        <p:txBody>
-          <a:bodyPr/>
-          <a:lstStyle>
-            <a:lvl1pPr algn="r">
-              <a:defRPr sz="1200">
-                <a:solidFill>
-                  <a:schemeClr val="bg1"/>
-                </a:solidFill>
-                <a:latin typeface="Arial" panose="020B0604020202020204" pitchFamily="34" charset="0"/>
-                <a:cs typeface="Arial" panose="020B0604020202020204" pitchFamily="34" charset="0"/>
-              </a:defRPr>
-            </a:lvl1pPr>
-          </a:lstStyle>
-          <a:p>
-            <a:endParaRPr kumimoji="1" lang="zh-CN" altLang="en-US" dirty="0"/>
-          </a:p>
-        </p:txBody>
-      </p:sp>
-      <p:sp>
-        <p:nvSpPr>
-          <p:cNvPr id="15" name="日期占位符 3">
-            <a:extLst>
-              <a:ext uri="{FF2B5EF4-FFF2-40B4-BE49-F238E27FC236}">
-                <a16:creationId xmlns:a16="http://schemas.microsoft.com/office/drawing/2014/main" id="{1EE645A5-DDA9-0637-4F8B-3EA688BDBB3D}"/>
-              </a:ext>
-            </a:extLst>
-          </p:cNvPr>
-          <p:cNvSpPr>
-            <a:spLocks noGrp="1"/>
-          </p:cNvSpPr>
-          <p:nvPr userDrawn="1"/>
-        </p:nvSpPr>
-        <p:spPr>
-          <a:xfrm>
-            <a:off x="0" y="6569765"/>
-            <a:ext cx="4005470" cy="288235"/>
-          </a:xfrm>
-          <a:prstGeom prst="rect">
-            <a:avLst/>
-          </a:prstGeom>
-        </p:spPr>
-        <p:txBody>
-          <a:bodyPr/>
-          <a:lstStyle>
-            <a:defPPr>
-              <a:defRPr lang="zh-CN"/>
-            </a:defPPr>
-            <a:lvl1pPr marL="0" algn="l" defTabSz="914400" rtl="0" eaLnBrk="1" latinLnBrk="0" hangingPunct="1">
-              <a:defRPr sz="1800" kern="1200">
-                <a:solidFill>
-                  <a:schemeClr val="tx1"/>
-                </a:solidFill>
-                <a:latin typeface="+mn-lt"/>
-                <a:ea typeface="+mn-ea"/>
-                <a:cs typeface="+mn-cs"/>
-              </a:defRPr>
-            </a:lvl1pPr>
-            <a:lvl2pPr marL="457200" algn="l" defTabSz="914400" rtl="0" eaLnBrk="1" latinLnBrk="0" hangingPunct="1">
-              <a:defRPr sz="1800" kern="1200">
-                <a:solidFill>
-                  <a:schemeClr val="tx1"/>
-                </a:solidFill>
-                <a:latin typeface="+mn-lt"/>
-                <a:ea typeface="+mn-ea"/>
-                <a:cs typeface="+mn-cs"/>
-              </a:defRPr>
-            </a:lvl2pPr>
-            <a:lvl3pPr marL="914400" algn="l" defTabSz="914400" rtl="0" eaLnBrk="1" latinLnBrk="0" hangingPunct="1">
-              <a:defRPr sz="1800" kern="1200">
-                <a:solidFill>
-                  <a:schemeClr val="tx1"/>
-                </a:solidFill>
-                <a:latin typeface="+mn-lt"/>
-                <a:ea typeface="+mn-ea"/>
-                <a:cs typeface="+mn-cs"/>
-              </a:defRPr>
-            </a:lvl3pPr>
-            <a:lvl4pPr marL="1371600" algn="l" defTabSz="914400" rtl="0" eaLnBrk="1" latinLnBrk="0" hangingPunct="1">
-              <a:defRPr sz="1800" kern="1200">
-                <a:solidFill>
-                  <a:schemeClr val="tx1"/>
-                </a:solidFill>
-                <a:latin typeface="+mn-lt"/>
-                <a:ea typeface="+mn-ea"/>
-                <a:cs typeface="+mn-cs"/>
-              </a:defRPr>
-            </a:lvl4pPr>
-            <a:lvl5pPr marL="1828800" algn="l" defTabSz="914400" rtl="0" eaLnBrk="1" latinLnBrk="0" hangingPunct="1">
-              <a:defRPr sz="1800" kern="1200">
-                <a:solidFill>
-                  <a:schemeClr val="tx1"/>
-                </a:solidFill>
-                <a:latin typeface="+mn-lt"/>
-                <a:ea typeface="+mn-ea"/>
-                <a:cs typeface="+mn-cs"/>
-              </a:defRPr>
-            </a:lvl5pPr>
-            <a:lvl6pPr marL="2286000" algn="l" defTabSz="914400" rtl="0" eaLnBrk="1" latinLnBrk="0" hangingPunct="1">
-              <a:defRPr sz="1800" kern="1200">
-                <a:solidFill>
-                  <a:schemeClr val="tx1"/>
-                </a:solidFill>
-                <a:latin typeface="+mn-lt"/>
-                <a:ea typeface="+mn-ea"/>
-                <a:cs typeface="+mn-cs"/>
-              </a:defRPr>
-            </a:lvl6pPr>
-            <a:lvl7pPr marL="2743200" algn="l" defTabSz="914400" rtl="0" eaLnBrk="1" latinLnBrk="0" hangingPunct="1">
-              <a:defRPr sz="1800" kern="1200">
-                <a:solidFill>
-                  <a:schemeClr val="tx1"/>
-                </a:solidFill>
-                <a:latin typeface="+mn-lt"/>
-                <a:ea typeface="+mn-ea"/>
-                <a:cs typeface="+mn-cs"/>
-              </a:defRPr>
-            </a:lvl7pPr>
-            <a:lvl8pPr marL="3200400" algn="l" defTabSz="914400" rtl="0" eaLnBrk="1" latinLnBrk="0" hangingPunct="1">
-              <a:defRPr sz="1800" kern="1200">
-                <a:solidFill>
-                  <a:schemeClr val="tx1"/>
-                </a:solidFill>
-                <a:latin typeface="+mn-lt"/>
-                <a:ea typeface="+mn-ea"/>
-                <a:cs typeface="+mn-cs"/>
-              </a:defRPr>
-            </a:lvl8pPr>
-            <a:lvl9pPr marL="3657600" algn="l" defTabSz="914400" rtl="0" eaLnBrk="1" latinLnBrk="0" hangingPunct="1">
-              <a:defRPr sz="1800" kern="1200">
-                <a:solidFill>
-                  <a:schemeClr val="tx1"/>
-                </a:solidFill>
-                <a:latin typeface="+mn-lt"/>
-                <a:ea typeface="+mn-ea"/>
-                <a:cs typeface="+mn-cs"/>
-              </a:defRPr>
-            </a:lvl9pPr>
-          </a:lstStyle>
-          <a:p>
-            <a:endParaRPr kumimoji="1" lang="zh-CN" altLang="en-US" dirty="0"/>
-          </a:p>
-        </p:txBody>
-      </p:sp>
-      <p:pic>
-        <p:nvPicPr>
-          <p:cNvPr id="18" name="图片 17">
-            <a:extLst>
-              <a:ext uri="{FF2B5EF4-FFF2-40B4-BE49-F238E27FC236}">
-                <a16:creationId xmlns:a16="http://schemas.microsoft.com/office/drawing/2014/main" id="{DD27EF48-BC63-446B-8614-CC2F8DF85423}"/>
-              </a:ext>
-            </a:extLst>
-          </p:cNvPr>
-          <p:cNvPicPr>
-            <a:picLocks noChangeAspect="1"/>
-          </p:cNvPicPr>
-          <p:nvPr userDrawn="1"/>
-        </p:nvPicPr>
-        <p:blipFill>
           <a:blip r:embed="rId5"/>
           <a:stretch>
             <a:fillRect/>
@@ -3935,310 +4086,6 @@
           </a:prstGeom>
         </p:spPr>
       </p:pic>
-      <p:sp>
-        <p:nvSpPr>
-          <p:cNvPr id="25" name="文本框 15">
-            <a:extLst>
-              <a:ext uri="{FF2B5EF4-FFF2-40B4-BE49-F238E27FC236}">
-                <a16:creationId xmlns:a16="http://schemas.microsoft.com/office/drawing/2014/main" id="{1506C28B-EE26-1B7E-084A-086E10FE08CC}"/>
-              </a:ext>
-            </a:extLst>
-          </p:cNvPr>
-          <p:cNvSpPr txBox="1"/>
-          <p:nvPr userDrawn="1"/>
-        </p:nvSpPr>
-        <p:spPr>
-          <a:xfrm>
-            <a:off x="0" y="6569765"/>
-            <a:ext cx="3991087" cy="276999"/>
-          </a:xfrm>
-          <a:prstGeom prst="rect">
-            <a:avLst/>
-          </a:prstGeom>
-          <a:noFill/>
-        </p:spPr>
-        <p:txBody>
-          <a:bodyPr wrap="square" rtlCol="0" anchor="ctr" anchorCtr="1">
-            <a:spAutoFit/>
-          </a:bodyPr>
-          <a:lstStyle>
-            <a:defPPr>
-              <a:defRPr lang="zh-CN"/>
-            </a:defPPr>
-            <a:lvl1pPr marL="0" algn="l" defTabSz="914400" rtl="0" eaLnBrk="1" latinLnBrk="0" hangingPunct="1">
-              <a:defRPr sz="1800" kern="1200">
-                <a:solidFill>
-                  <a:schemeClr val="tx1"/>
-                </a:solidFill>
-                <a:latin typeface="+mn-lt"/>
-                <a:ea typeface="+mn-ea"/>
-                <a:cs typeface="+mn-cs"/>
-              </a:defRPr>
-            </a:lvl1pPr>
-            <a:lvl2pPr marL="457200" algn="l" defTabSz="914400" rtl="0" eaLnBrk="1" latinLnBrk="0" hangingPunct="1">
-              <a:defRPr sz="1800" kern="1200">
-                <a:solidFill>
-                  <a:schemeClr val="tx1"/>
-                </a:solidFill>
-                <a:latin typeface="+mn-lt"/>
-                <a:ea typeface="+mn-ea"/>
-                <a:cs typeface="+mn-cs"/>
-              </a:defRPr>
-            </a:lvl2pPr>
-            <a:lvl3pPr marL="914400" algn="l" defTabSz="914400" rtl="0" eaLnBrk="1" latinLnBrk="0" hangingPunct="1">
-              <a:defRPr sz="1800" kern="1200">
-                <a:solidFill>
-                  <a:schemeClr val="tx1"/>
-                </a:solidFill>
-                <a:latin typeface="+mn-lt"/>
-                <a:ea typeface="+mn-ea"/>
-                <a:cs typeface="+mn-cs"/>
-              </a:defRPr>
-            </a:lvl3pPr>
-            <a:lvl4pPr marL="1371600" algn="l" defTabSz="914400" rtl="0" eaLnBrk="1" latinLnBrk="0" hangingPunct="1">
-              <a:defRPr sz="1800" kern="1200">
-                <a:solidFill>
-                  <a:schemeClr val="tx1"/>
-                </a:solidFill>
-                <a:latin typeface="+mn-lt"/>
-                <a:ea typeface="+mn-ea"/>
-                <a:cs typeface="+mn-cs"/>
-              </a:defRPr>
-            </a:lvl4pPr>
-            <a:lvl5pPr marL="1828800" algn="l" defTabSz="914400" rtl="0" eaLnBrk="1" latinLnBrk="0" hangingPunct="1">
-              <a:defRPr sz="1800" kern="1200">
-                <a:solidFill>
-                  <a:schemeClr val="tx1"/>
-                </a:solidFill>
-                <a:latin typeface="+mn-lt"/>
-                <a:ea typeface="+mn-ea"/>
-                <a:cs typeface="+mn-cs"/>
-              </a:defRPr>
-            </a:lvl5pPr>
-            <a:lvl6pPr marL="2286000" algn="l" defTabSz="914400" rtl="0" eaLnBrk="1" latinLnBrk="0" hangingPunct="1">
-              <a:defRPr sz="1800" kern="1200">
-                <a:solidFill>
-                  <a:schemeClr val="tx1"/>
-                </a:solidFill>
-                <a:latin typeface="+mn-lt"/>
-                <a:ea typeface="+mn-ea"/>
-                <a:cs typeface="+mn-cs"/>
-              </a:defRPr>
-            </a:lvl6pPr>
-            <a:lvl7pPr marL="2743200" algn="l" defTabSz="914400" rtl="0" eaLnBrk="1" latinLnBrk="0" hangingPunct="1">
-              <a:defRPr sz="1800" kern="1200">
-                <a:solidFill>
-                  <a:schemeClr val="tx1"/>
-                </a:solidFill>
-                <a:latin typeface="+mn-lt"/>
-                <a:ea typeface="+mn-ea"/>
-                <a:cs typeface="+mn-cs"/>
-              </a:defRPr>
-            </a:lvl7pPr>
-            <a:lvl8pPr marL="3200400" algn="l" defTabSz="914400" rtl="0" eaLnBrk="1" latinLnBrk="0" hangingPunct="1">
-              <a:defRPr sz="1800" kern="1200">
-                <a:solidFill>
-                  <a:schemeClr val="tx1"/>
-                </a:solidFill>
-                <a:latin typeface="+mn-lt"/>
-                <a:ea typeface="+mn-ea"/>
-                <a:cs typeface="+mn-cs"/>
-              </a:defRPr>
-            </a:lvl8pPr>
-            <a:lvl9pPr marL="3657600" algn="l" defTabSz="914400" rtl="0" eaLnBrk="1" latinLnBrk="0" hangingPunct="1">
-              <a:defRPr sz="1800" kern="1200">
-                <a:solidFill>
-                  <a:schemeClr val="tx1"/>
-                </a:solidFill>
-                <a:latin typeface="+mn-lt"/>
-                <a:ea typeface="+mn-ea"/>
-                <a:cs typeface="+mn-cs"/>
-              </a:defRPr>
-            </a:lvl9pPr>
-          </a:lstStyle>
-          <a:p>
-            <a:r>
-              <a:rPr kumimoji="1" lang="en-US" altLang="zh-CN" sz="1200" dirty="0">
-                <a:solidFill>
-                  <a:schemeClr val="bg1"/>
-                </a:solidFill>
-                <a:latin typeface="Arial" panose="020B0604020202020204" pitchFamily="34" charset="0"/>
-                <a:cs typeface="Arial" panose="020B0604020202020204" pitchFamily="34" charset="0"/>
-              </a:rPr>
-              <a:t>Another</a:t>
-            </a:r>
-            <a:r>
-              <a:rPr kumimoji="1" lang="zh-CN" altLang="en-US" sz="1200" dirty="0">
-                <a:solidFill>
-                  <a:schemeClr val="bg1"/>
-                </a:solidFill>
-                <a:latin typeface="Arial" panose="020B0604020202020204" pitchFamily="34" charset="0"/>
-                <a:cs typeface="Arial" panose="020B0604020202020204" pitchFamily="34" charset="0"/>
-              </a:rPr>
-              <a:t> </a:t>
-            </a:r>
-            <a:r>
-              <a:rPr kumimoji="1" lang="en-US" altLang="zh-CN" sz="1200" dirty="0">
-                <a:solidFill>
-                  <a:schemeClr val="bg1"/>
-                </a:solidFill>
-                <a:latin typeface="Arial" panose="020B0604020202020204" pitchFamily="34" charset="0"/>
-                <a:cs typeface="Arial" panose="020B0604020202020204" pitchFamily="34" charset="0"/>
-              </a:rPr>
-              <a:t>name</a:t>
-            </a:r>
-            <a:endParaRPr kumimoji="1" lang="zh-CN" altLang="en-US" sz="1200" dirty="0">
-              <a:solidFill>
-                <a:schemeClr val="bg1"/>
-              </a:solidFill>
-              <a:latin typeface="Arial" panose="020B0604020202020204" pitchFamily="34" charset="0"/>
-              <a:cs typeface="Arial" panose="020B0604020202020204" pitchFamily="34" charset="0"/>
-            </a:endParaRPr>
-          </a:p>
-        </p:txBody>
-      </p:sp>
-      <p:sp>
-        <p:nvSpPr>
-          <p:cNvPr id="26" name="文本框 16">
-            <a:extLst>
-              <a:ext uri="{FF2B5EF4-FFF2-40B4-BE49-F238E27FC236}">
-                <a16:creationId xmlns:a16="http://schemas.microsoft.com/office/drawing/2014/main" id="{944B4AE1-7152-BF0C-0000-25D691F4719D}"/>
-              </a:ext>
-            </a:extLst>
-          </p:cNvPr>
-          <p:cNvSpPr txBox="1"/>
-          <p:nvPr userDrawn="1"/>
-        </p:nvSpPr>
-        <p:spPr>
-          <a:xfrm>
-            <a:off x="3991087" y="6581001"/>
-            <a:ext cx="7170555" cy="276999"/>
-          </a:xfrm>
-          <a:prstGeom prst="rect">
-            <a:avLst/>
-          </a:prstGeom>
-          <a:noFill/>
-        </p:spPr>
-        <p:txBody>
-          <a:bodyPr wrap="square" rtlCol="0" anchor="ctr" anchorCtr="1">
-            <a:spAutoFit/>
-          </a:bodyPr>
-          <a:lstStyle>
-            <a:defPPr>
-              <a:defRPr lang="zh-CN"/>
-            </a:defPPr>
-            <a:lvl1pPr marL="0" algn="l" defTabSz="914400" rtl="0" eaLnBrk="1" latinLnBrk="0" hangingPunct="1">
-              <a:defRPr sz="1800" kern="1200">
-                <a:solidFill>
-                  <a:schemeClr val="tx1"/>
-                </a:solidFill>
-                <a:latin typeface="+mn-lt"/>
-                <a:ea typeface="+mn-ea"/>
-                <a:cs typeface="+mn-cs"/>
-              </a:defRPr>
-            </a:lvl1pPr>
-            <a:lvl2pPr marL="457200" algn="l" defTabSz="914400" rtl="0" eaLnBrk="1" latinLnBrk="0" hangingPunct="1">
-              <a:defRPr sz="1800" kern="1200">
-                <a:solidFill>
-                  <a:schemeClr val="tx1"/>
-                </a:solidFill>
-                <a:latin typeface="+mn-lt"/>
-                <a:ea typeface="+mn-ea"/>
-                <a:cs typeface="+mn-cs"/>
-              </a:defRPr>
-            </a:lvl2pPr>
-            <a:lvl3pPr marL="914400" algn="l" defTabSz="914400" rtl="0" eaLnBrk="1" latinLnBrk="0" hangingPunct="1">
-              <a:defRPr sz="1800" kern="1200">
-                <a:solidFill>
-                  <a:schemeClr val="tx1"/>
-                </a:solidFill>
-                <a:latin typeface="+mn-lt"/>
-                <a:ea typeface="+mn-ea"/>
-                <a:cs typeface="+mn-cs"/>
-              </a:defRPr>
-            </a:lvl3pPr>
-            <a:lvl4pPr marL="1371600" algn="l" defTabSz="914400" rtl="0" eaLnBrk="1" latinLnBrk="0" hangingPunct="1">
-              <a:defRPr sz="1800" kern="1200">
-                <a:solidFill>
-                  <a:schemeClr val="tx1"/>
-                </a:solidFill>
-                <a:latin typeface="+mn-lt"/>
-                <a:ea typeface="+mn-ea"/>
-                <a:cs typeface="+mn-cs"/>
-              </a:defRPr>
-            </a:lvl4pPr>
-            <a:lvl5pPr marL="1828800" algn="l" defTabSz="914400" rtl="0" eaLnBrk="1" latinLnBrk="0" hangingPunct="1">
-              <a:defRPr sz="1800" kern="1200">
-                <a:solidFill>
-                  <a:schemeClr val="tx1"/>
-                </a:solidFill>
-                <a:latin typeface="+mn-lt"/>
-                <a:ea typeface="+mn-ea"/>
-                <a:cs typeface="+mn-cs"/>
-              </a:defRPr>
-            </a:lvl5pPr>
-            <a:lvl6pPr marL="2286000" algn="l" defTabSz="914400" rtl="0" eaLnBrk="1" latinLnBrk="0" hangingPunct="1">
-              <a:defRPr sz="1800" kern="1200">
-                <a:solidFill>
-                  <a:schemeClr val="tx1"/>
-                </a:solidFill>
-                <a:latin typeface="+mn-lt"/>
-                <a:ea typeface="+mn-ea"/>
-                <a:cs typeface="+mn-cs"/>
-              </a:defRPr>
-            </a:lvl6pPr>
-            <a:lvl7pPr marL="2743200" algn="l" defTabSz="914400" rtl="0" eaLnBrk="1" latinLnBrk="0" hangingPunct="1">
-              <a:defRPr sz="1800" kern="1200">
-                <a:solidFill>
-                  <a:schemeClr val="tx1"/>
-                </a:solidFill>
-                <a:latin typeface="+mn-lt"/>
-                <a:ea typeface="+mn-ea"/>
-                <a:cs typeface="+mn-cs"/>
-              </a:defRPr>
-            </a:lvl7pPr>
-            <a:lvl8pPr marL="3200400" algn="l" defTabSz="914400" rtl="0" eaLnBrk="1" latinLnBrk="0" hangingPunct="1">
-              <a:defRPr sz="1800" kern="1200">
-                <a:solidFill>
-                  <a:schemeClr val="tx1"/>
-                </a:solidFill>
-                <a:latin typeface="+mn-lt"/>
-                <a:ea typeface="+mn-ea"/>
-                <a:cs typeface="+mn-cs"/>
-              </a:defRPr>
-            </a:lvl8pPr>
-            <a:lvl9pPr marL="3657600" algn="l" defTabSz="914400" rtl="0" eaLnBrk="1" latinLnBrk="0" hangingPunct="1">
-              <a:defRPr sz="1800" kern="1200">
-                <a:solidFill>
-                  <a:schemeClr val="tx1"/>
-                </a:solidFill>
-                <a:latin typeface="+mn-lt"/>
-                <a:ea typeface="+mn-ea"/>
-                <a:cs typeface="+mn-cs"/>
-              </a:defRPr>
-            </a:lvl9pPr>
-          </a:lstStyle>
-          <a:p>
-            <a:r>
-              <a:rPr kumimoji="1" lang="en-US" altLang="zh-CN" sz="1200" dirty="0">
-                <a:solidFill>
-                  <a:schemeClr val="bg1"/>
-                </a:solidFill>
-                <a:latin typeface="Arial" panose="020B0604020202020204" pitchFamily="34" charset="0"/>
-                <a:cs typeface="Arial" panose="020B0604020202020204" pitchFamily="34" charset="0"/>
-              </a:rPr>
-              <a:t>Title</a:t>
-            </a:r>
-            <a:endParaRPr kumimoji="1" lang="zh-CN" altLang="en-US" sz="1200" dirty="0">
-              <a:solidFill>
-                <a:schemeClr val="bg1"/>
-              </a:solidFill>
-              <a:latin typeface="Arial" panose="020B0604020202020204" pitchFamily="34" charset="0"/>
-              <a:cs typeface="Arial" panose="020B0604020202020204" pitchFamily="34" charset="0"/>
-            </a:endParaRPr>
-          </a:p>
-        </p:txBody>
-      </p:sp>
     </p:spTree>
     <p:extLst>
       <p:ext uri="{BB962C8B-B14F-4D97-AF65-F5344CB8AC3E}">
@@ -4555,10 +4402,10 @@
       </p:grpSpPr>
       <p:sp>
         <p:nvSpPr>
-          <p:cNvPr id="10" name="标题 9">
-            <a:extLst>
-              <a:ext uri="{FF2B5EF4-FFF2-40B4-BE49-F238E27FC236}">
-                <a16:creationId xmlns:a16="http://schemas.microsoft.com/office/drawing/2014/main" id="{AACBE66B-463D-734C-C683-3E1A624E12EA}"/>
+          <p:cNvPr id="12" name="标题 11">
+            <a:extLst>
+              <a:ext uri="{FF2B5EF4-FFF2-40B4-BE49-F238E27FC236}">
+                <a16:creationId xmlns:a16="http://schemas.microsoft.com/office/drawing/2014/main" id="{AB66F702-0CF1-7ED1-C416-01CCD943F1B7}"/>
               </a:ext>
             </a:extLst>
           </p:cNvPr>
@@ -4574,16 +4421,16 @@
           <a:bodyPr/>
           <a:lstStyle/>
           <a:p>
-            <a:endParaRPr lang="zh-CN" altLang="en-US" dirty="0"/>
+            <a:endParaRPr lang="zh-CN" altLang="en-US"/>
           </a:p>
         </p:txBody>
       </p:sp>
       <p:sp>
         <p:nvSpPr>
-          <p:cNvPr id="11" name="文本占位符 10">
-            <a:extLst>
-              <a:ext uri="{FF2B5EF4-FFF2-40B4-BE49-F238E27FC236}">
-                <a16:creationId xmlns:a16="http://schemas.microsoft.com/office/drawing/2014/main" id="{67B2FB78-ABC2-F64A-2FD7-3300349E453F}"/>
+          <p:cNvPr id="13" name="文本占位符 12">
+            <a:extLst>
+              <a:ext uri="{FF2B5EF4-FFF2-40B4-BE49-F238E27FC236}">
+                <a16:creationId xmlns:a16="http://schemas.microsoft.com/office/drawing/2014/main" id="{6E2ED64E-7A32-5DCD-53A3-D5A94CEC36C2}"/>
               </a:ext>
             </a:extLst>
           </p:cNvPr>
@@ -4605,10 +4452,10 @@
       </p:sp>
       <p:sp>
         <p:nvSpPr>
-          <p:cNvPr id="12" name="文本占位符 11">
-            <a:extLst>
-              <a:ext uri="{FF2B5EF4-FFF2-40B4-BE49-F238E27FC236}">
-                <a16:creationId xmlns:a16="http://schemas.microsoft.com/office/drawing/2014/main" id="{C3DB25B7-3C52-3525-DC54-E5DEBAE05C9E}"/>
+          <p:cNvPr id="14" name="文本占位符 13">
+            <a:extLst>
+              <a:ext uri="{FF2B5EF4-FFF2-40B4-BE49-F238E27FC236}">
+                <a16:creationId xmlns:a16="http://schemas.microsoft.com/office/drawing/2014/main" id="{EB8AC3E7-8255-0F59-FE8D-EE9A4DA78F5E}"/>
               </a:ext>
             </a:extLst>
           </p:cNvPr>
@@ -4630,10 +4477,10 @@
       </p:sp>
       <p:sp>
         <p:nvSpPr>
-          <p:cNvPr id="13" name="文本占位符 12">
-            <a:extLst>
-              <a:ext uri="{FF2B5EF4-FFF2-40B4-BE49-F238E27FC236}">
-                <a16:creationId xmlns:a16="http://schemas.microsoft.com/office/drawing/2014/main" id="{56F38C9B-DC81-0D1F-D3CF-D12CC1217C5C}"/>
+          <p:cNvPr id="15" name="文本占位符 14">
+            <a:extLst>
+              <a:ext uri="{FF2B5EF4-FFF2-40B4-BE49-F238E27FC236}">
+                <a16:creationId xmlns:a16="http://schemas.microsoft.com/office/drawing/2014/main" id="{47A3B9AF-EBBC-AF7B-5A3B-0F7FB91202FE}"/>
               </a:ext>
             </a:extLst>
           </p:cNvPr>
@@ -4655,10 +4502,10 @@
       </p:sp>
       <p:sp>
         <p:nvSpPr>
-          <p:cNvPr id="14" name="文本占位符 13">
-            <a:extLst>
-              <a:ext uri="{FF2B5EF4-FFF2-40B4-BE49-F238E27FC236}">
-                <a16:creationId xmlns:a16="http://schemas.microsoft.com/office/drawing/2014/main" id="{1703BAC7-B1D6-CDF6-260B-F323D09570B4}"/>
+          <p:cNvPr id="16" name="文本占位符 15">
+            <a:extLst>
+              <a:ext uri="{FF2B5EF4-FFF2-40B4-BE49-F238E27FC236}">
+                <a16:creationId xmlns:a16="http://schemas.microsoft.com/office/drawing/2014/main" id="{EDF7A74E-163E-6D55-8D17-05B972C633C6}"/>
               </a:ext>
             </a:extLst>
           </p:cNvPr>
@@ -4680,10 +4527,10 @@
       </p:sp>
       <p:sp>
         <p:nvSpPr>
-          <p:cNvPr id="15" name="文本占位符 14">
-            <a:extLst>
-              <a:ext uri="{FF2B5EF4-FFF2-40B4-BE49-F238E27FC236}">
-                <a16:creationId xmlns:a16="http://schemas.microsoft.com/office/drawing/2014/main" id="{83E8D497-ECF8-9FB0-231D-2CE12504773C}"/>
+          <p:cNvPr id="17" name="文本占位符 16">
+            <a:extLst>
+              <a:ext uri="{FF2B5EF4-FFF2-40B4-BE49-F238E27FC236}">
+                <a16:creationId xmlns:a16="http://schemas.microsoft.com/office/drawing/2014/main" id="{2CC19AFC-AB99-4060-B59A-373A5EF2FAB9}"/>
               </a:ext>
             </a:extLst>
           </p:cNvPr>
@@ -4705,10 +4552,10 @@
       </p:sp>
       <p:sp>
         <p:nvSpPr>
-          <p:cNvPr id="16" name="文本占位符 15">
-            <a:extLst>
-              <a:ext uri="{FF2B5EF4-FFF2-40B4-BE49-F238E27FC236}">
-                <a16:creationId xmlns:a16="http://schemas.microsoft.com/office/drawing/2014/main" id="{369813C4-CD4F-86A9-41AB-4253EF650EB6}"/>
+          <p:cNvPr id="18" name="文本占位符 17">
+            <a:extLst>
+              <a:ext uri="{FF2B5EF4-FFF2-40B4-BE49-F238E27FC236}">
+                <a16:creationId xmlns:a16="http://schemas.microsoft.com/office/drawing/2014/main" id="{A6029FB9-2A77-E10A-1B6B-C5007AF0CE9E}"/>
               </a:ext>
             </a:extLst>
           </p:cNvPr>
@@ -4731,7 +4578,7 @@
     </p:spTree>
     <p:extLst>
       <p:ext uri="{BB962C8B-B14F-4D97-AF65-F5344CB8AC3E}">
-        <p14:creationId xmlns:p14="http://schemas.microsoft.com/office/powerpoint/2010/main" val="3421436212"/>
+        <p14:creationId xmlns:p14="http://schemas.microsoft.com/office/powerpoint/2010/main" val="4127570867"/>
       </p:ext>
     </p:extLst>
   </p:cSld>
@@ -4760,10 +4607,10 @@
       </p:grpSpPr>
       <p:sp>
         <p:nvSpPr>
-          <p:cNvPr id="19" name="标题 18">
-            <a:extLst>
-              <a:ext uri="{FF2B5EF4-FFF2-40B4-BE49-F238E27FC236}">
-                <a16:creationId xmlns:a16="http://schemas.microsoft.com/office/drawing/2014/main" id="{71DA183F-E15E-41CC-FB01-D8CC6134AAC6}"/>
+          <p:cNvPr id="9" name="内容占位符 8">
+            <a:extLst>
+              <a:ext uri="{FF2B5EF4-FFF2-40B4-BE49-F238E27FC236}">
+                <a16:creationId xmlns:a16="http://schemas.microsoft.com/office/drawing/2014/main" id="{4F012CE7-B885-C441-871B-6CAE4E2B0B58}"/>
               </a:ext>
             </a:extLst>
           </p:cNvPr>
@@ -4771,7 +4618,7 @@
             <a:spLocks noGrp="1"/>
           </p:cNvSpPr>
           <p:nvPr>
-            <p:ph type="title"/>
+            <p:ph sz="quarter" idx="10"/>
           </p:nvPr>
         </p:nvSpPr>
         <p:spPr/>
@@ -4785,10 +4632,10 @@
       </p:sp>
       <p:sp>
         <p:nvSpPr>
-          <p:cNvPr id="20" name="内容占位符 19">
-            <a:extLst>
-              <a:ext uri="{FF2B5EF4-FFF2-40B4-BE49-F238E27FC236}">
-                <a16:creationId xmlns:a16="http://schemas.microsoft.com/office/drawing/2014/main" id="{ED6B2006-C7FC-F4C6-BDFB-DE8BD6CF1701}"/>
+          <p:cNvPr id="10" name="文本占位符 9">
+            <a:extLst>
+              <a:ext uri="{FF2B5EF4-FFF2-40B4-BE49-F238E27FC236}">
+                <a16:creationId xmlns:a16="http://schemas.microsoft.com/office/drawing/2014/main" id="{F432E898-26F7-8D84-A7DF-FC6266BC0EB9}"/>
               </a:ext>
             </a:extLst>
           </p:cNvPr>
@@ -4796,7 +4643,7 @@
             <a:spLocks noGrp="1"/>
           </p:cNvSpPr>
           <p:nvPr>
-            <p:ph sz="half" idx="1"/>
+            <p:ph type="body" sz="quarter" idx="11"/>
           </p:nvPr>
         </p:nvSpPr>
         <p:spPr/>
@@ -4808,10 +4655,35 @@
           </a:p>
         </p:txBody>
       </p:sp>
+      <p:sp>
+        <p:nvSpPr>
+          <p:cNvPr id="11" name="文本占位符 10">
+            <a:extLst>
+              <a:ext uri="{FF2B5EF4-FFF2-40B4-BE49-F238E27FC236}">
+                <a16:creationId xmlns:a16="http://schemas.microsoft.com/office/drawing/2014/main" id="{BFA2F846-26AF-620F-6783-9B86DEA35882}"/>
+              </a:ext>
+            </a:extLst>
+          </p:cNvPr>
+          <p:cNvSpPr>
+            <a:spLocks noGrp="1"/>
+          </p:cNvSpPr>
+          <p:nvPr>
+            <p:ph type="body" sz="quarter" idx="12"/>
+          </p:nvPr>
+        </p:nvSpPr>
+        <p:spPr/>
+        <p:txBody>
+          <a:bodyPr/>
+          <a:lstStyle/>
+          <a:p>
+            <a:endParaRPr lang="zh-CN" altLang="en-US"/>
+          </a:p>
+        </p:txBody>
+      </p:sp>
     </p:spTree>
     <p:extLst>
       <p:ext uri="{BB962C8B-B14F-4D97-AF65-F5344CB8AC3E}">
-        <p14:creationId xmlns:p14="http://schemas.microsoft.com/office/powerpoint/2010/main" val="1188061900"/>
+        <p14:creationId xmlns:p14="http://schemas.microsoft.com/office/powerpoint/2010/main" val="3538070504"/>
       </p:ext>
     </p:extLst>
   </p:cSld>
@@ -4840,10 +4712,10 @@
       </p:grpSpPr>
       <p:sp>
         <p:nvSpPr>
-          <p:cNvPr id="9" name="标题 8">
-            <a:extLst>
-              <a:ext uri="{FF2B5EF4-FFF2-40B4-BE49-F238E27FC236}">
-                <a16:creationId xmlns:a16="http://schemas.microsoft.com/office/drawing/2014/main" id="{79F6F327-14DF-8930-F27E-918B8062BD83}"/>
+          <p:cNvPr id="6" name="标题 5">
+            <a:extLst>
+              <a:ext uri="{FF2B5EF4-FFF2-40B4-BE49-F238E27FC236}">
+                <a16:creationId xmlns:a16="http://schemas.microsoft.com/office/drawing/2014/main" id="{112930C9-EA3D-8EA0-5D6D-57865F71EF48}"/>
               </a:ext>
             </a:extLst>
           </p:cNvPr>
@@ -4865,10 +4737,10 @@
       </p:sp>
       <p:sp>
         <p:nvSpPr>
-          <p:cNvPr id="10" name="内容占位符 9">
-            <a:extLst>
-              <a:ext uri="{FF2B5EF4-FFF2-40B4-BE49-F238E27FC236}">
-                <a16:creationId xmlns:a16="http://schemas.microsoft.com/office/drawing/2014/main" id="{BC08F659-623D-624E-FAA0-78CD482E3C90}"/>
+          <p:cNvPr id="7" name="内容占位符 6">
+            <a:extLst>
+              <a:ext uri="{FF2B5EF4-FFF2-40B4-BE49-F238E27FC236}">
+                <a16:creationId xmlns:a16="http://schemas.microsoft.com/office/drawing/2014/main" id="{5407559B-6B69-64D9-EEF0-7B38801C642D}"/>
               </a:ext>
             </a:extLst>
           </p:cNvPr>
@@ -4893,7 +4765,7 @@
           <p:cNvPr id="4" name="页脚占位符 3">
             <a:extLst>
               <a:ext uri="{FF2B5EF4-FFF2-40B4-BE49-F238E27FC236}">
-                <a16:creationId xmlns:a16="http://schemas.microsoft.com/office/drawing/2014/main" id="{01F09F7F-3350-25C9-9DEF-BEC37D8F966F}"/>
+                <a16:creationId xmlns:a16="http://schemas.microsoft.com/office/drawing/2014/main" id="{7DD4BD30-FA9E-AFE9-B81F-31C288F129BB}"/>
               </a:ext>
             </a:extLst>
           </p:cNvPr>
@@ -4901,7 +4773,7 @@
             <a:spLocks noGrp="1"/>
           </p:cNvSpPr>
           <p:nvPr>
-            <p:ph type="ftr" sz="quarter" idx="11"/>
+            <p:ph type="ftr" sz="quarter" idx="3"/>
           </p:nvPr>
         </p:nvSpPr>
         <p:spPr/>
@@ -4915,10 +4787,140 @@
       </p:sp>
       <p:sp>
         <p:nvSpPr>
-          <p:cNvPr id="11" name="SmartArt 占位符 10">
-            <a:extLst>
-              <a:ext uri="{FF2B5EF4-FFF2-40B4-BE49-F238E27FC236}">
-                <a16:creationId xmlns:a16="http://schemas.microsoft.com/office/drawing/2014/main" id="{4D8EB510-5D0E-73FF-6716-2ECF0107EA20}"/>
+          <p:cNvPr id="8" name="文本占位符 7">
+            <a:extLst>
+              <a:ext uri="{FF2B5EF4-FFF2-40B4-BE49-F238E27FC236}">
+                <a16:creationId xmlns:a16="http://schemas.microsoft.com/office/drawing/2014/main" id="{5117327C-0733-E7B5-C549-007D6980099F}"/>
+              </a:ext>
+            </a:extLst>
+          </p:cNvPr>
+          <p:cNvSpPr>
+            <a:spLocks noGrp="1"/>
+          </p:cNvSpPr>
+          <p:nvPr>
+            <p:ph type="body" sz="quarter" idx="11"/>
+          </p:nvPr>
+        </p:nvSpPr>
+        <p:spPr/>
+        <p:txBody>
+          <a:bodyPr/>
+          <a:lstStyle/>
+          <a:p>
+            <a:endParaRPr lang="zh-CN" altLang="en-US"/>
+          </a:p>
+        </p:txBody>
+      </p:sp>
+      <p:sp>
+        <p:nvSpPr>
+          <p:cNvPr id="9" name="文本占位符 8">
+            <a:extLst>
+              <a:ext uri="{FF2B5EF4-FFF2-40B4-BE49-F238E27FC236}">
+                <a16:creationId xmlns:a16="http://schemas.microsoft.com/office/drawing/2014/main" id="{69C79193-46C0-CC60-6F9E-7A0E76C790E7}"/>
+              </a:ext>
+            </a:extLst>
+          </p:cNvPr>
+          <p:cNvSpPr>
+            <a:spLocks noGrp="1"/>
+          </p:cNvSpPr>
+          <p:nvPr>
+            <p:ph type="body" sz="quarter" idx="12"/>
+          </p:nvPr>
+        </p:nvSpPr>
+        <p:spPr/>
+        <p:txBody>
+          <a:bodyPr/>
+          <a:lstStyle/>
+          <a:p>
+            <a:endParaRPr lang="zh-CN" altLang="en-US"/>
+          </a:p>
+        </p:txBody>
+      </p:sp>
+    </p:spTree>
+    <p:extLst>
+      <p:ext uri="{BB962C8B-B14F-4D97-AF65-F5344CB8AC3E}">
+        <p14:creationId xmlns:p14="http://schemas.microsoft.com/office/powerpoint/2010/main" val="3045752349"/>
+      </p:ext>
+    </p:extLst>
+  </p:cSld>
+  <p:clrMapOvr>
+    <a:masterClrMapping/>
+  </p:clrMapOvr>
+</p:sld>
+</file>
+
+<file path=ppt/slides/slide4.xml><?xml version="1.0" encoding="utf-8"?>
+<p:sld xmlns:a="http://schemas.openxmlformats.org/drawingml/2006/main" xmlns:r="http://schemas.openxmlformats.org/officeDocument/2006/relationships" xmlns:p="http://schemas.openxmlformats.org/presentationml/2006/main">
+  <p:cSld>
+    <p:spTree>
+      <p:nvGrpSpPr>
+        <p:cNvPr id="1" name=""/>
+        <p:cNvGrpSpPr/>
+        <p:nvPr/>
+      </p:nvGrpSpPr>
+      <p:grpSpPr>
+        <a:xfrm>
+          <a:off x="0" y="0"/>
+          <a:ext cx="0" cy="0"/>
+          <a:chOff x="0" y="0"/>
+          <a:chExt cx="0" cy="0"/>
+        </a:xfrm>
+      </p:grpSpPr>
+      <p:sp>
+        <p:nvSpPr>
+          <p:cNvPr id="2" name="标题 1">
+            <a:extLst>
+              <a:ext uri="{FF2B5EF4-FFF2-40B4-BE49-F238E27FC236}">
+                <a16:creationId xmlns:a16="http://schemas.microsoft.com/office/drawing/2014/main" id="{8B71CE08-3ACE-5FCC-186F-8572B2F4E31F}"/>
+              </a:ext>
+            </a:extLst>
+          </p:cNvPr>
+          <p:cNvSpPr>
+            <a:spLocks noGrp="1"/>
+          </p:cNvSpPr>
+          <p:nvPr>
+            <p:ph type="title"/>
+          </p:nvPr>
+        </p:nvSpPr>
+        <p:spPr/>
+        <p:txBody>
+          <a:bodyPr/>
+          <a:lstStyle/>
+          <a:p>
+            <a:endParaRPr lang="zh-CN" altLang="en-US"/>
+          </a:p>
+        </p:txBody>
+      </p:sp>
+      <p:sp>
+        <p:nvSpPr>
+          <p:cNvPr id="3" name="内容占位符 2">
+            <a:extLst>
+              <a:ext uri="{FF2B5EF4-FFF2-40B4-BE49-F238E27FC236}">
+                <a16:creationId xmlns:a16="http://schemas.microsoft.com/office/drawing/2014/main" id="{14D5BFCB-9F5E-4CCE-E679-809929D54211}"/>
+              </a:ext>
+            </a:extLst>
+          </p:cNvPr>
+          <p:cNvSpPr>
+            <a:spLocks noGrp="1"/>
+          </p:cNvSpPr>
+          <p:nvPr>
+            <p:ph sz="half" idx="1"/>
+          </p:nvPr>
+        </p:nvSpPr>
+        <p:spPr/>
+        <p:txBody>
+          <a:bodyPr/>
+          <a:lstStyle/>
+          <a:p>
+            <a:endParaRPr lang="zh-CN" altLang="en-US"/>
+          </a:p>
+        </p:txBody>
+      </p:sp>
+      <p:sp>
+        <p:nvSpPr>
+          <p:cNvPr id="5" name="SmartArt 占位符 4">
+            <a:extLst>
+              <a:ext uri="{FF2B5EF4-FFF2-40B4-BE49-F238E27FC236}">
+                <a16:creationId xmlns:a16="http://schemas.microsoft.com/office/drawing/2014/main" id="{E177F1E5-B181-CB4A-14E3-BABA318731EA}"/>
               </a:ext>
             </a:extLst>
           </p:cNvPr>
@@ -4933,10 +4935,10 @@
       </p:sp>
       <p:sp>
         <p:nvSpPr>
-          <p:cNvPr id="12" name="SmartArt 占位符 11">
-            <a:extLst>
-              <a:ext uri="{FF2B5EF4-FFF2-40B4-BE49-F238E27FC236}">
-                <a16:creationId xmlns:a16="http://schemas.microsoft.com/office/drawing/2014/main" id="{E8F5AA1D-F475-AB85-E4E1-4EF463950DA0}"/>
+          <p:cNvPr id="6" name="SmartArt 占位符 5">
+            <a:extLst>
+              <a:ext uri="{FF2B5EF4-FFF2-40B4-BE49-F238E27FC236}">
+                <a16:creationId xmlns:a16="http://schemas.microsoft.com/office/drawing/2014/main" id="{425DF6A0-9F5E-7409-DF60-424750FC6FB1}"/>
               </a:ext>
             </a:extLst>
           </p:cNvPr>
@@ -4948,6 +4950,186 @@
           </p:nvPr>
         </p:nvSpPr>
         <p:spPr/>
+      </p:sp>
+      <p:sp>
+        <p:nvSpPr>
+          <p:cNvPr id="7" name="文本占位符 6">
+            <a:extLst>
+              <a:ext uri="{FF2B5EF4-FFF2-40B4-BE49-F238E27FC236}">
+                <a16:creationId xmlns:a16="http://schemas.microsoft.com/office/drawing/2014/main" id="{389BF6F1-5E58-3ECA-DF29-D7F4B8B31E77}"/>
+              </a:ext>
+            </a:extLst>
+          </p:cNvPr>
+          <p:cNvSpPr>
+            <a:spLocks noGrp="1"/>
+          </p:cNvSpPr>
+          <p:nvPr>
+            <p:ph type="body" sz="quarter" idx="14"/>
+          </p:nvPr>
+        </p:nvSpPr>
+        <p:spPr/>
+        <p:txBody>
+          <a:bodyPr/>
+          <a:lstStyle/>
+          <a:p>
+            <a:endParaRPr lang="zh-CN" altLang="en-US"/>
+          </a:p>
+        </p:txBody>
+      </p:sp>
+      <p:sp>
+        <p:nvSpPr>
+          <p:cNvPr id="4" name="文本占位符 3">
+            <a:extLst>
+              <a:ext uri="{FF2B5EF4-FFF2-40B4-BE49-F238E27FC236}">
+                <a16:creationId xmlns:a16="http://schemas.microsoft.com/office/drawing/2014/main" id="{8138619A-7945-38CB-B383-346C980B1CC4}"/>
+              </a:ext>
+            </a:extLst>
+          </p:cNvPr>
+          <p:cNvSpPr>
+            <a:spLocks noGrp="1"/>
+          </p:cNvSpPr>
+          <p:nvPr>
+            <p:ph type="body" sz="quarter" idx="11"/>
+          </p:nvPr>
+        </p:nvSpPr>
+        <p:spPr/>
+        <p:txBody>
+          <a:bodyPr/>
+          <a:lstStyle/>
+          <a:p>
+            <a:endParaRPr lang="zh-CN" altLang="en-US"/>
+          </a:p>
+        </p:txBody>
+      </p:sp>
+    </p:spTree>
+    <p:extLst>
+      <p:ext uri="{BB962C8B-B14F-4D97-AF65-F5344CB8AC3E}">
+        <p14:creationId xmlns:p14="http://schemas.microsoft.com/office/powerpoint/2010/main" val="1188061900"/>
+      </p:ext>
+    </p:extLst>
+  </p:cSld>
+  <p:clrMapOvr>
+    <a:masterClrMapping/>
+  </p:clrMapOvr>
+</p:sld>
+</file>
+
+<file path=ppt/slides/slide5.xml><?xml version="1.0" encoding="utf-8"?>
+<p:sld xmlns:a="http://schemas.openxmlformats.org/drawingml/2006/main" xmlns:r="http://schemas.openxmlformats.org/officeDocument/2006/relationships" xmlns:p="http://schemas.openxmlformats.org/presentationml/2006/main">
+  <p:cSld>
+    <p:spTree>
+      <p:nvGrpSpPr>
+        <p:cNvPr id="1" name=""/>
+        <p:cNvGrpSpPr/>
+        <p:nvPr/>
+      </p:nvGrpSpPr>
+      <p:grpSpPr>
+        <a:xfrm>
+          <a:off x="0" y="0"/>
+          <a:ext cx="0" cy="0"/>
+          <a:chOff x="0" y="0"/>
+          <a:chExt cx="0" cy="0"/>
+        </a:xfrm>
+      </p:grpSpPr>
+      <p:sp>
+        <p:nvSpPr>
+          <p:cNvPr id="2" name="标题 1">
+            <a:extLst>
+              <a:ext uri="{FF2B5EF4-FFF2-40B4-BE49-F238E27FC236}">
+                <a16:creationId xmlns:a16="http://schemas.microsoft.com/office/drawing/2014/main" id="{2C797E42-B4F3-0165-C466-56781E9E9977}"/>
+              </a:ext>
+            </a:extLst>
+          </p:cNvPr>
+          <p:cNvSpPr>
+            <a:spLocks noGrp="1"/>
+          </p:cNvSpPr>
+          <p:nvPr>
+            <p:ph type="title"/>
+          </p:nvPr>
+        </p:nvSpPr>
+        <p:spPr/>
+        <p:txBody>
+          <a:bodyPr/>
+          <a:lstStyle/>
+          <a:p>
+            <a:endParaRPr lang="zh-CN" altLang="en-US"/>
+          </a:p>
+        </p:txBody>
+      </p:sp>
+      <p:sp>
+        <p:nvSpPr>
+          <p:cNvPr id="4" name="页脚占位符 3">
+            <a:extLst>
+              <a:ext uri="{FF2B5EF4-FFF2-40B4-BE49-F238E27FC236}">
+                <a16:creationId xmlns:a16="http://schemas.microsoft.com/office/drawing/2014/main" id="{01F09F7F-3350-25C9-9DEF-BEC37D8F966F}"/>
+              </a:ext>
+            </a:extLst>
+          </p:cNvPr>
+          <p:cNvSpPr>
+            <a:spLocks noGrp="1"/>
+          </p:cNvSpPr>
+          <p:nvPr>
+            <p:ph type="ftr" sz="quarter" idx="3"/>
+          </p:nvPr>
+        </p:nvSpPr>
+        <p:spPr/>
+        <p:txBody>
+          <a:bodyPr/>
+          <a:lstStyle/>
+          <a:p>
+            <a:endParaRPr kumimoji="1" lang="zh-CN" altLang="en-US" dirty="0"/>
+          </a:p>
+        </p:txBody>
+      </p:sp>
+      <p:sp>
+        <p:nvSpPr>
+          <p:cNvPr id="5" name="文本占位符 4">
+            <a:extLst>
+              <a:ext uri="{FF2B5EF4-FFF2-40B4-BE49-F238E27FC236}">
+                <a16:creationId xmlns:a16="http://schemas.microsoft.com/office/drawing/2014/main" id="{5A89F8F4-5FEF-CEAE-DB39-45F7C03113FE}"/>
+              </a:ext>
+            </a:extLst>
+          </p:cNvPr>
+          <p:cNvSpPr>
+            <a:spLocks noGrp="1"/>
+          </p:cNvSpPr>
+          <p:nvPr>
+            <p:ph type="body" sz="quarter" idx="14"/>
+          </p:nvPr>
+        </p:nvSpPr>
+        <p:spPr/>
+        <p:txBody>
+          <a:bodyPr/>
+          <a:lstStyle/>
+          <a:p>
+            <a:endParaRPr lang="zh-CN" altLang="en-US"/>
+          </a:p>
+        </p:txBody>
+      </p:sp>
+      <p:sp>
+        <p:nvSpPr>
+          <p:cNvPr id="3" name="文本占位符 2">
+            <a:extLst>
+              <a:ext uri="{FF2B5EF4-FFF2-40B4-BE49-F238E27FC236}">
+                <a16:creationId xmlns:a16="http://schemas.microsoft.com/office/drawing/2014/main" id="{3502F1F1-A978-93A2-43F1-596A4B10E1CE}"/>
+              </a:ext>
+            </a:extLst>
+          </p:cNvPr>
+          <p:cNvSpPr>
+            <a:spLocks noGrp="1"/>
+          </p:cNvSpPr>
+          <p:nvPr>
+            <p:ph type="body" sz="quarter" idx="11"/>
+          </p:nvPr>
+        </p:nvSpPr>
+        <p:spPr/>
+        <p:txBody>
+          <a:bodyPr/>
+          <a:lstStyle/>
+          <a:p>
+            <a:endParaRPr lang="zh-CN" altLang="en-US"/>
+          </a:p>
+        </p:txBody>
       </p:sp>
     </p:spTree>
     <p:extLst>
